--- a/Presentation.pptx
+++ b/Presentation.pptx
@@ -4,8 +4,25 @@
   <p:sldMasterIdLst>
     <p:sldMasterId id="2147483648" r:id="rId1"/>
   </p:sldMasterIdLst>
+  <p:notesMasterIdLst>
+    <p:notesMasterId r:id="rId17"/>
+  </p:notesMasterIdLst>
   <p:sldIdLst>
     <p:sldId id="256" r:id="rId2"/>
+    <p:sldId id="257" r:id="rId3"/>
+    <p:sldId id="261" r:id="rId4"/>
+    <p:sldId id="263" r:id="rId5"/>
+    <p:sldId id="264" r:id="rId6"/>
+    <p:sldId id="269" r:id="rId7"/>
+    <p:sldId id="273" r:id="rId8"/>
+    <p:sldId id="270" r:id="rId9"/>
+    <p:sldId id="260" r:id="rId10"/>
+    <p:sldId id="275" r:id="rId11"/>
+    <p:sldId id="272" r:id="rId12"/>
+    <p:sldId id="262" r:id="rId13"/>
+    <p:sldId id="259" r:id="rId14"/>
+    <p:sldId id="280" r:id="rId15"/>
+    <p:sldId id="278" r:id="rId16"/>
   </p:sldIdLst>
   <p:sldSz cx="12192000" cy="6858000"/>
   <p:notesSz cx="6858000" cy="9144000"/>
@@ -105,6 +122,476 @@
     </a:lvl9pPr>
   </p:defaultTextStyle>
 </p:presentation>
+</file>
+
+<file path=ppt/notesMasters/notesMaster1.xml><?xml version="1.0" encoding="utf-8"?>
+<p:notesMaster xmlns:a="http://schemas.openxmlformats.org/drawingml/2006/main" xmlns:r="http://schemas.openxmlformats.org/officeDocument/2006/relationships" xmlns:p="http://schemas.openxmlformats.org/presentationml/2006/main">
+  <p:cSld>
+    <p:bg>
+      <p:bgRef idx="1001">
+        <a:schemeClr val="bg1"/>
+      </p:bgRef>
+    </p:bg>
+    <p:spTree>
+      <p:nvGrpSpPr>
+        <p:cNvPr id="1" name=""/>
+        <p:cNvGrpSpPr/>
+        <p:nvPr/>
+      </p:nvGrpSpPr>
+      <p:grpSpPr>
+        <a:xfrm>
+          <a:off x="0" y="0"/>
+          <a:ext cx="0" cy="0"/>
+          <a:chOff x="0" y="0"/>
+          <a:chExt cx="0" cy="0"/>
+        </a:xfrm>
+      </p:grpSpPr>
+      <p:sp>
+        <p:nvSpPr>
+          <p:cNvPr id="2" name="Header Placeholder 1"/>
+          <p:cNvSpPr>
+            <a:spLocks noGrp="1"/>
+          </p:cNvSpPr>
+          <p:nvPr>
+            <p:ph type="hdr" sz="quarter"/>
+          </p:nvPr>
+        </p:nvSpPr>
+        <p:spPr>
+          <a:xfrm>
+            <a:off x="0" y="0"/>
+            <a:ext cx="2971800" cy="458788"/>
+          </a:xfrm>
+          <a:prstGeom prst="rect">
+            <a:avLst/>
+          </a:prstGeom>
+        </p:spPr>
+        <p:txBody>
+          <a:bodyPr vert="horz" lIns="91440" tIns="45720" rIns="91440" bIns="45720" rtlCol="0"/>
+          <a:lstStyle>
+            <a:lvl1pPr algn="l">
+              <a:defRPr sz="1200"/>
+            </a:lvl1pPr>
+          </a:lstStyle>
+          <a:p>
+            <a:endParaRPr lang="en-US"/>
+          </a:p>
+        </p:txBody>
+      </p:sp>
+      <p:sp>
+        <p:nvSpPr>
+          <p:cNvPr id="3" name="Date Placeholder 2"/>
+          <p:cNvSpPr>
+            <a:spLocks noGrp="1"/>
+          </p:cNvSpPr>
+          <p:nvPr>
+            <p:ph type="dt" idx="1"/>
+          </p:nvPr>
+        </p:nvSpPr>
+        <p:spPr>
+          <a:xfrm>
+            <a:off x="3884613" y="0"/>
+            <a:ext cx="2971800" cy="458788"/>
+          </a:xfrm>
+          <a:prstGeom prst="rect">
+            <a:avLst/>
+          </a:prstGeom>
+        </p:spPr>
+        <p:txBody>
+          <a:bodyPr vert="horz" lIns="91440" tIns="45720" rIns="91440" bIns="45720" rtlCol="0"/>
+          <a:lstStyle>
+            <a:lvl1pPr algn="r">
+              <a:defRPr sz="1200"/>
+            </a:lvl1pPr>
+          </a:lstStyle>
+          <a:p>
+            <a:fld id="{B905598C-9672-4162-9A81-17EC10E5BCE9}" type="datetimeFigureOut">
+              <a:rPr lang="en-US" smtClean="0"/>
+              <a:t>10/6/2017</a:t>
+            </a:fld>
+            <a:endParaRPr lang="en-US"/>
+          </a:p>
+        </p:txBody>
+      </p:sp>
+      <p:sp>
+        <p:nvSpPr>
+          <p:cNvPr id="4" name="Slide Image Placeholder 3"/>
+          <p:cNvSpPr>
+            <a:spLocks noGrp="1" noRot="1" noChangeAspect="1"/>
+          </p:cNvSpPr>
+          <p:nvPr>
+            <p:ph type="sldImg" idx="2"/>
+          </p:nvPr>
+        </p:nvSpPr>
+        <p:spPr>
+          <a:xfrm>
+            <a:off x="685800" y="1143000"/>
+            <a:ext cx="5486400" cy="3086100"/>
+          </a:xfrm>
+          <a:prstGeom prst="rect">
+            <a:avLst/>
+          </a:prstGeom>
+          <a:noFill/>
+          <a:ln w="12700">
+            <a:solidFill>
+              <a:prstClr val="black"/>
+            </a:solidFill>
+          </a:ln>
+        </p:spPr>
+        <p:txBody>
+          <a:bodyPr vert="horz" lIns="91440" tIns="45720" rIns="91440" bIns="45720" rtlCol="0" anchor="ctr"/>
+          <a:lstStyle/>
+          <a:p>
+            <a:endParaRPr lang="en-US"/>
+          </a:p>
+        </p:txBody>
+      </p:sp>
+      <p:sp>
+        <p:nvSpPr>
+          <p:cNvPr id="5" name="Notes Placeholder 4"/>
+          <p:cNvSpPr>
+            <a:spLocks noGrp="1"/>
+          </p:cNvSpPr>
+          <p:nvPr>
+            <p:ph type="body" sz="quarter" idx="3"/>
+          </p:nvPr>
+        </p:nvSpPr>
+        <p:spPr>
+          <a:xfrm>
+            <a:off x="685800" y="4400550"/>
+            <a:ext cx="5486400" cy="3600450"/>
+          </a:xfrm>
+          <a:prstGeom prst="rect">
+            <a:avLst/>
+          </a:prstGeom>
+        </p:spPr>
+        <p:txBody>
+          <a:bodyPr vert="horz" lIns="91440" tIns="45720" rIns="91440" bIns="45720" rtlCol="0"/>
+          <a:lstStyle/>
+          <a:p>
+            <a:pPr lvl="0"/>
+            <a:r>
+              <a:rPr lang="en-US" smtClean="0"/>
+              <a:t>Edit Master text styles</a:t>
+            </a:r>
+          </a:p>
+          <a:p>
+            <a:pPr lvl="1"/>
+            <a:r>
+              <a:rPr lang="en-US" smtClean="0"/>
+              <a:t>Second level</a:t>
+            </a:r>
+          </a:p>
+          <a:p>
+            <a:pPr lvl="2"/>
+            <a:r>
+              <a:rPr lang="en-US" smtClean="0"/>
+              <a:t>Third level</a:t>
+            </a:r>
+          </a:p>
+          <a:p>
+            <a:pPr lvl="3"/>
+            <a:r>
+              <a:rPr lang="en-US" smtClean="0"/>
+              <a:t>Fourth level</a:t>
+            </a:r>
+          </a:p>
+          <a:p>
+            <a:pPr lvl="4"/>
+            <a:r>
+              <a:rPr lang="en-US" smtClean="0"/>
+              <a:t>Fifth level</a:t>
+            </a:r>
+            <a:endParaRPr lang="en-US"/>
+          </a:p>
+        </p:txBody>
+      </p:sp>
+      <p:sp>
+        <p:nvSpPr>
+          <p:cNvPr id="6" name="Footer Placeholder 5"/>
+          <p:cNvSpPr>
+            <a:spLocks noGrp="1"/>
+          </p:cNvSpPr>
+          <p:nvPr>
+            <p:ph type="ftr" sz="quarter" idx="4"/>
+          </p:nvPr>
+        </p:nvSpPr>
+        <p:spPr>
+          <a:xfrm>
+            <a:off x="0" y="8685213"/>
+            <a:ext cx="2971800" cy="458787"/>
+          </a:xfrm>
+          <a:prstGeom prst="rect">
+            <a:avLst/>
+          </a:prstGeom>
+        </p:spPr>
+        <p:txBody>
+          <a:bodyPr vert="horz" lIns="91440" tIns="45720" rIns="91440" bIns="45720" rtlCol="0" anchor="b"/>
+          <a:lstStyle>
+            <a:lvl1pPr algn="l">
+              <a:defRPr sz="1200"/>
+            </a:lvl1pPr>
+          </a:lstStyle>
+          <a:p>
+            <a:endParaRPr lang="en-US"/>
+          </a:p>
+        </p:txBody>
+      </p:sp>
+      <p:sp>
+        <p:nvSpPr>
+          <p:cNvPr id="7" name="Slide Number Placeholder 6"/>
+          <p:cNvSpPr>
+            <a:spLocks noGrp="1"/>
+          </p:cNvSpPr>
+          <p:nvPr>
+            <p:ph type="sldNum" sz="quarter" idx="5"/>
+          </p:nvPr>
+        </p:nvSpPr>
+        <p:spPr>
+          <a:xfrm>
+            <a:off x="3884613" y="8685213"/>
+            <a:ext cx="2971800" cy="458787"/>
+          </a:xfrm>
+          <a:prstGeom prst="rect">
+            <a:avLst/>
+          </a:prstGeom>
+        </p:spPr>
+        <p:txBody>
+          <a:bodyPr vert="horz" lIns="91440" tIns="45720" rIns="91440" bIns="45720" rtlCol="0" anchor="b"/>
+          <a:lstStyle>
+            <a:lvl1pPr algn="r">
+              <a:defRPr sz="1200"/>
+            </a:lvl1pPr>
+          </a:lstStyle>
+          <a:p>
+            <a:fld id="{159D0B51-270C-4BD2-A2F3-9B8736674386}" type="slidenum">
+              <a:rPr lang="en-US" smtClean="0"/>
+              <a:t>‹#›</a:t>
+            </a:fld>
+            <a:endParaRPr lang="en-US"/>
+          </a:p>
+        </p:txBody>
+      </p:sp>
+    </p:spTree>
+    <p:extLst>
+      <p:ext uri="{BB962C8B-B14F-4D97-AF65-F5344CB8AC3E}">
+        <p14:creationId xmlns:p14="http://schemas.microsoft.com/office/powerpoint/2010/main" val="1481678141"/>
+      </p:ext>
+    </p:extLst>
+  </p:cSld>
+  <p:clrMap bg1="lt1" tx1="dk1" bg2="lt2" tx2="dk2" accent1="accent1" accent2="accent2" accent3="accent3" accent4="accent4" accent5="accent5" accent6="accent6" hlink="hlink" folHlink="folHlink"/>
+  <p:notesStyle>
+    <a:lvl1pPr marL="0" algn="l" defTabSz="914400" rtl="0" eaLnBrk="1" latinLnBrk="0" hangingPunct="1">
+      <a:defRPr sz="1200" kern="1200">
+        <a:solidFill>
+          <a:schemeClr val="tx1"/>
+        </a:solidFill>
+        <a:latin typeface="+mn-lt"/>
+        <a:ea typeface="+mn-ea"/>
+        <a:cs typeface="+mn-cs"/>
+      </a:defRPr>
+    </a:lvl1pPr>
+    <a:lvl2pPr marL="457200" algn="l" defTabSz="914400" rtl="0" eaLnBrk="1" latinLnBrk="0" hangingPunct="1">
+      <a:defRPr sz="1200" kern="1200">
+        <a:solidFill>
+          <a:schemeClr val="tx1"/>
+        </a:solidFill>
+        <a:latin typeface="+mn-lt"/>
+        <a:ea typeface="+mn-ea"/>
+        <a:cs typeface="+mn-cs"/>
+      </a:defRPr>
+    </a:lvl2pPr>
+    <a:lvl3pPr marL="914400" algn="l" defTabSz="914400" rtl="0" eaLnBrk="1" latinLnBrk="0" hangingPunct="1">
+      <a:defRPr sz="1200" kern="1200">
+        <a:solidFill>
+          <a:schemeClr val="tx1"/>
+        </a:solidFill>
+        <a:latin typeface="+mn-lt"/>
+        <a:ea typeface="+mn-ea"/>
+        <a:cs typeface="+mn-cs"/>
+      </a:defRPr>
+    </a:lvl3pPr>
+    <a:lvl4pPr marL="1371600" algn="l" defTabSz="914400" rtl="0" eaLnBrk="1" latinLnBrk="0" hangingPunct="1">
+      <a:defRPr sz="1200" kern="1200">
+        <a:solidFill>
+          <a:schemeClr val="tx1"/>
+        </a:solidFill>
+        <a:latin typeface="+mn-lt"/>
+        <a:ea typeface="+mn-ea"/>
+        <a:cs typeface="+mn-cs"/>
+      </a:defRPr>
+    </a:lvl4pPr>
+    <a:lvl5pPr marL="1828800" algn="l" defTabSz="914400" rtl="0" eaLnBrk="1" latinLnBrk="0" hangingPunct="1">
+      <a:defRPr sz="1200" kern="1200">
+        <a:solidFill>
+          <a:schemeClr val="tx1"/>
+        </a:solidFill>
+        <a:latin typeface="+mn-lt"/>
+        <a:ea typeface="+mn-ea"/>
+        <a:cs typeface="+mn-cs"/>
+      </a:defRPr>
+    </a:lvl5pPr>
+    <a:lvl6pPr marL="2286000" algn="l" defTabSz="914400" rtl="0" eaLnBrk="1" latinLnBrk="0" hangingPunct="1">
+      <a:defRPr sz="1200" kern="1200">
+        <a:solidFill>
+          <a:schemeClr val="tx1"/>
+        </a:solidFill>
+        <a:latin typeface="+mn-lt"/>
+        <a:ea typeface="+mn-ea"/>
+        <a:cs typeface="+mn-cs"/>
+      </a:defRPr>
+    </a:lvl6pPr>
+    <a:lvl7pPr marL="2743200" algn="l" defTabSz="914400" rtl="0" eaLnBrk="1" latinLnBrk="0" hangingPunct="1">
+      <a:defRPr sz="1200" kern="1200">
+        <a:solidFill>
+          <a:schemeClr val="tx1"/>
+        </a:solidFill>
+        <a:latin typeface="+mn-lt"/>
+        <a:ea typeface="+mn-ea"/>
+        <a:cs typeface="+mn-cs"/>
+      </a:defRPr>
+    </a:lvl7pPr>
+    <a:lvl8pPr marL="3200400" algn="l" defTabSz="914400" rtl="0" eaLnBrk="1" latinLnBrk="0" hangingPunct="1">
+      <a:defRPr sz="1200" kern="1200">
+        <a:solidFill>
+          <a:schemeClr val="tx1"/>
+        </a:solidFill>
+        <a:latin typeface="+mn-lt"/>
+        <a:ea typeface="+mn-ea"/>
+        <a:cs typeface="+mn-cs"/>
+      </a:defRPr>
+    </a:lvl8pPr>
+    <a:lvl9pPr marL="3657600" algn="l" defTabSz="914400" rtl="0" eaLnBrk="1" latinLnBrk="0" hangingPunct="1">
+      <a:defRPr sz="1200" kern="1200">
+        <a:solidFill>
+          <a:schemeClr val="tx1"/>
+        </a:solidFill>
+        <a:latin typeface="+mn-lt"/>
+        <a:ea typeface="+mn-ea"/>
+        <a:cs typeface="+mn-cs"/>
+      </a:defRPr>
+    </a:lvl9pPr>
+  </p:notesStyle>
+</p:notesMaster>
+</file>
+
+<file path=ppt/notesSlides/notesSlide1.xml><?xml version="1.0" encoding="utf-8"?>
+<p:notes xmlns:a="http://schemas.openxmlformats.org/drawingml/2006/main" xmlns:r="http://schemas.openxmlformats.org/officeDocument/2006/relationships" xmlns:p="http://schemas.openxmlformats.org/presentationml/2006/main">
+  <p:cSld>
+    <p:spTree>
+      <p:nvGrpSpPr>
+        <p:cNvPr id="1" name=""/>
+        <p:cNvGrpSpPr/>
+        <p:nvPr/>
+      </p:nvGrpSpPr>
+      <p:grpSpPr>
+        <a:xfrm>
+          <a:off x="0" y="0"/>
+          <a:ext cx="0" cy="0"/>
+          <a:chOff x="0" y="0"/>
+          <a:chExt cx="0" cy="0"/>
+        </a:xfrm>
+      </p:grpSpPr>
+      <p:sp>
+        <p:nvSpPr>
+          <p:cNvPr id="2" name="Slide Image Placeholder 1"/>
+          <p:cNvSpPr>
+            <a:spLocks noGrp="1" noRot="1" noChangeAspect="1"/>
+          </p:cNvSpPr>
+          <p:nvPr>
+            <p:ph type="sldImg"/>
+          </p:nvPr>
+        </p:nvSpPr>
+        <p:spPr/>
+      </p:sp>
+      <p:sp>
+        <p:nvSpPr>
+          <p:cNvPr id="3" name="Notes Placeholder 2"/>
+          <p:cNvSpPr>
+            <a:spLocks noGrp="1"/>
+          </p:cNvSpPr>
+          <p:nvPr>
+            <p:ph type="body" idx="1"/>
+          </p:nvPr>
+        </p:nvSpPr>
+        <p:spPr/>
+        <p:txBody>
+          <a:bodyPr/>
+          <a:lstStyle/>
+          <a:p>
+            <a:pPr marL="0" marR="0" lvl="0" indent="0" algn="l" defTabSz="914400" rtl="0" eaLnBrk="1" fontAlgn="auto" latinLnBrk="0" hangingPunct="1">
+              <a:lnSpc>
+                <a:spcPct val="100000"/>
+              </a:lnSpc>
+              <a:spcBef>
+                <a:spcPts val="0"/>
+              </a:spcBef>
+              <a:spcAft>
+                <a:spcPts val="0"/>
+              </a:spcAft>
+              <a:buClrTx/>
+              <a:buSzTx/>
+              <a:buFontTx/>
+              <a:buNone/>
+              <a:tabLst/>
+              <a:defRPr/>
+            </a:pPr>
+            <a:r>
+              <a:rPr lang="en-US" dirty="0" smtClean="0"/>
+              <a:t>---------------------This is where</a:t>
+            </a:r>
+            <a:r>
+              <a:rPr lang="en-US" baseline="0" dirty="0" smtClean="0"/>
+              <a:t> it is </a:t>
+            </a:r>
+            <a:r>
+              <a:rPr lang="en-US" dirty="0" smtClean="0"/>
+              <a:t>if you did not know</a:t>
+            </a:r>
+            <a:r>
+              <a:rPr lang="en-US" baseline="0" dirty="0" smtClean="0"/>
+              <a:t> already</a:t>
+            </a:r>
+            <a:endParaRPr lang="en-US" dirty="0" smtClean="0"/>
+          </a:p>
+          <a:p>
+            <a:endParaRPr lang="en-US" dirty="0"/>
+          </a:p>
+        </p:txBody>
+      </p:sp>
+      <p:sp>
+        <p:nvSpPr>
+          <p:cNvPr id="4" name="Slide Number Placeholder 3"/>
+          <p:cNvSpPr>
+            <a:spLocks noGrp="1"/>
+          </p:cNvSpPr>
+          <p:nvPr>
+            <p:ph type="sldNum" sz="quarter" idx="10"/>
+          </p:nvPr>
+        </p:nvSpPr>
+        <p:spPr/>
+        <p:txBody>
+          <a:bodyPr/>
+          <a:lstStyle/>
+          <a:p>
+            <a:fld id="{159D0B51-270C-4BD2-A2F3-9B8736674386}" type="slidenum">
+              <a:rPr lang="en-US" smtClean="0"/>
+              <a:t>3</a:t>
+            </a:fld>
+            <a:endParaRPr lang="en-US"/>
+          </a:p>
+        </p:txBody>
+      </p:sp>
+    </p:spTree>
+    <p:extLst>
+      <p:ext uri="{BB962C8B-B14F-4D97-AF65-F5344CB8AC3E}">
+        <p14:creationId xmlns:p14="http://schemas.microsoft.com/office/powerpoint/2010/main" val="2725147485"/>
+      </p:ext>
+    </p:extLst>
+  </p:cSld>
+  <p:clrMapOvr>
+    <a:masterClrMapping/>
+  </p:clrMapOvr>
+</p:notes>
 </file>
 
 <file path=ppt/slideLayouts/slideLayout1.xml><?xml version="1.0" encoding="utf-8"?>
@@ -3004,7 +3491,12 @@
             <p:ph type="ctrTitle"/>
           </p:nvPr>
         </p:nvSpPr>
-        <p:spPr/>
+        <p:spPr>
+          <a:xfrm>
+            <a:off x="1524000" y="1122363"/>
+            <a:ext cx="9144000" cy="1690506"/>
+          </a:xfrm>
+        </p:spPr>
         <p:txBody>
           <a:bodyPr/>
           <a:lstStyle/>
@@ -3027,7 +3519,12 @@
             <p:ph type="subTitle" idx="1"/>
           </p:nvPr>
         </p:nvSpPr>
-        <p:spPr/>
+        <p:spPr>
+          <a:xfrm>
+            <a:off x="1524000" y="2997535"/>
+            <a:ext cx="9144000" cy="2260265"/>
+          </a:xfrm>
+        </p:spPr>
         <p:txBody>
           <a:bodyPr/>
           <a:lstStyle/>
@@ -3036,16 +3533,78 @@
               <a:rPr lang="en-US" dirty="0" smtClean="0"/>
               <a:t>Anthony Pearson</a:t>
             </a:r>
-          </a:p>
-          <a:p>
             <a:endParaRPr lang="en-US" dirty="0"/>
           </a:p>
-          <a:p>
-            <a:r>
-              <a:rPr lang="en-US" dirty="0" smtClean="0"/>
-              <a:t>Na</a:t>
-            </a:r>
-            <a:endParaRPr lang="en-US" dirty="0"/>
+        </p:txBody>
+      </p:sp>
+      <p:cxnSp>
+        <p:nvCxnSpPr>
+          <p:cNvPr id="9" name="Curved Connector 8"/>
+          <p:cNvCxnSpPr/>
+          <p:nvPr/>
+        </p:nvCxnSpPr>
+        <p:spPr>
+          <a:xfrm>
+            <a:off x="3065417" y="5381897"/>
+            <a:ext cx="1306286" cy="1201783"/>
+          </a:xfrm>
+          <a:prstGeom prst="curvedConnector3">
+            <a:avLst>
+              <a:gd name="adj1" fmla="val -43333"/>
+            </a:avLst>
+          </a:prstGeom>
+          <a:ln w="38100">
+            <a:solidFill>
+              <a:srgbClr val="FF0000"/>
+            </a:solidFill>
+            <a:tailEnd type="triangle"/>
+          </a:ln>
+        </p:spPr>
+        <p:style>
+          <a:lnRef idx="1">
+            <a:schemeClr val="accent1"/>
+          </a:lnRef>
+          <a:fillRef idx="0">
+            <a:schemeClr val="accent1"/>
+          </a:fillRef>
+          <a:effectRef idx="0">
+            <a:schemeClr val="accent1"/>
+          </a:effectRef>
+          <a:fontRef idx="minor">
+            <a:schemeClr val="tx1"/>
+          </a:fontRef>
+        </p:style>
+      </p:cxnSp>
+      <p:sp>
+        <p:nvSpPr>
+          <p:cNvPr id="13" name="TextBox 12"/>
+          <p:cNvSpPr txBox="1"/>
+          <p:nvPr/>
+        </p:nvSpPr>
+        <p:spPr>
+          <a:xfrm rot="21393105">
+            <a:off x="3074242" y="5135183"/>
+            <a:ext cx="2521396" cy="369332"/>
+          </a:xfrm>
+          <a:prstGeom prst="rect">
+            <a:avLst/>
+          </a:prstGeom>
+          <a:noFill/>
+        </p:spPr>
+        <p:txBody>
+          <a:bodyPr wrap="none" rtlCol="0">
+            <a:spAutoFit/>
+          </a:bodyPr>
+          <a:lstStyle/>
+          <a:p>
+            <a:r>
+              <a:rPr lang="en-US" b="1" dirty="0" smtClean="0"/>
+              <a:t>Go here to see the dem</a:t>
+            </a:r>
+            <a:r>
+              <a:rPr lang="en-US" b="1" dirty="0"/>
+              <a:t>o</a:t>
+            </a:r>
           </a:p>
         </p:txBody>
       </p:sp>
@@ -3059,6 +3618,2090 @@
   <p:clrMapOvr>
     <a:masterClrMapping/>
   </p:clrMapOvr>
+  <p:timing>
+    <p:tnLst>
+      <p:par>
+        <p:cTn id="1" dur="indefinite" restart="never" nodeType="tmRoot"/>
+      </p:par>
+    </p:tnLst>
+  </p:timing>
+</p:sld>
+</file>
+
+<file path=ppt/slides/slide10.xml><?xml version="1.0" encoding="utf-8"?>
+<p:sld xmlns:a="http://schemas.openxmlformats.org/drawingml/2006/main" xmlns:r="http://schemas.openxmlformats.org/officeDocument/2006/relationships" xmlns:p="http://schemas.openxmlformats.org/presentationml/2006/main">
+  <p:cSld>
+    <p:spTree>
+      <p:nvGrpSpPr>
+        <p:cNvPr id="1" name=""/>
+        <p:cNvGrpSpPr/>
+        <p:nvPr/>
+      </p:nvGrpSpPr>
+      <p:grpSpPr>
+        <a:xfrm>
+          <a:off x="0" y="0"/>
+          <a:ext cx="0" cy="0"/>
+          <a:chOff x="0" y="0"/>
+          <a:chExt cx="0" cy="0"/>
+        </a:xfrm>
+      </p:grpSpPr>
+      <p:sp>
+        <p:nvSpPr>
+          <p:cNvPr id="2" name="Title 1"/>
+          <p:cNvSpPr>
+            <a:spLocks noGrp="1"/>
+          </p:cNvSpPr>
+          <p:nvPr>
+            <p:ph type="title"/>
+          </p:nvPr>
+        </p:nvSpPr>
+        <p:spPr/>
+        <p:txBody>
+          <a:bodyPr/>
+          <a:lstStyle/>
+          <a:p>
+            <a:r>
+              <a:rPr lang="en-US" dirty="0" smtClean="0"/>
+              <a:t>Weak Things – Beer</a:t>
+            </a:r>
+            <a:endParaRPr lang="en-US" dirty="0"/>
+          </a:p>
+        </p:txBody>
+      </p:sp>
+      <p:sp>
+        <p:nvSpPr>
+          <p:cNvPr id="3" name="Content Placeholder 2"/>
+          <p:cNvSpPr>
+            <a:spLocks noGrp="1"/>
+          </p:cNvSpPr>
+          <p:nvPr>
+            <p:ph idx="1"/>
+          </p:nvPr>
+        </p:nvSpPr>
+        <p:spPr/>
+        <p:txBody>
+          <a:bodyPr/>
+          <a:lstStyle/>
+          <a:p>
+            <a:r>
+              <a:rPr lang="en-US" dirty="0" smtClean="0"/>
+              <a:t>We should have a keg in each kitchen</a:t>
+            </a:r>
+          </a:p>
+          <a:p>
+            <a:r>
+              <a:rPr lang="en-US" dirty="0" smtClean="0"/>
+              <a:t>We should pump our own beer</a:t>
+            </a:r>
+          </a:p>
+          <a:p>
+            <a:r>
+              <a:rPr lang="en-US" dirty="0" smtClean="0"/>
+              <a:t>Stronger beer equals a stronger workforce</a:t>
+            </a:r>
+            <a:endParaRPr lang="en-US" dirty="0"/>
+          </a:p>
+        </p:txBody>
+      </p:sp>
+    </p:spTree>
+    <p:extLst>
+      <p:ext uri="{BB962C8B-B14F-4D97-AF65-F5344CB8AC3E}">
+        <p14:creationId xmlns:p14="http://schemas.microsoft.com/office/powerpoint/2010/main" val="1296896514"/>
+      </p:ext>
+    </p:extLst>
+  </p:cSld>
+  <p:clrMapOvr>
+    <a:masterClrMapping/>
+  </p:clrMapOvr>
+  <p:timing>
+    <p:tnLst>
+      <p:par>
+        <p:cTn id="1" dur="indefinite" restart="never" nodeType="tmRoot"/>
+      </p:par>
+    </p:tnLst>
+  </p:timing>
+</p:sld>
+</file>
+
+<file path=ppt/slides/slide11.xml><?xml version="1.0" encoding="utf-8"?>
+<p:sld xmlns:a="http://schemas.openxmlformats.org/drawingml/2006/main" xmlns:r="http://schemas.openxmlformats.org/officeDocument/2006/relationships" xmlns:p="http://schemas.openxmlformats.org/presentationml/2006/main">
+  <p:cSld>
+    <p:spTree>
+      <p:nvGrpSpPr>
+        <p:cNvPr id="1" name=""/>
+        <p:cNvGrpSpPr/>
+        <p:nvPr/>
+      </p:nvGrpSpPr>
+      <p:grpSpPr>
+        <a:xfrm>
+          <a:off x="0" y="0"/>
+          <a:ext cx="0" cy="0"/>
+          <a:chOff x="0" y="0"/>
+          <a:chExt cx="0" cy="0"/>
+        </a:xfrm>
+      </p:grpSpPr>
+      <p:sp>
+        <p:nvSpPr>
+          <p:cNvPr id="2" name="Title 1"/>
+          <p:cNvSpPr>
+            <a:spLocks noGrp="1"/>
+          </p:cNvSpPr>
+          <p:nvPr>
+            <p:ph type="title"/>
+          </p:nvPr>
+        </p:nvSpPr>
+        <p:spPr/>
+        <p:txBody>
+          <a:bodyPr/>
+          <a:lstStyle/>
+          <a:p>
+            <a:r>
+              <a:rPr lang="en-US" dirty="0" smtClean="0"/>
+              <a:t>Weak Things – QA</a:t>
+            </a:r>
+            <a:endParaRPr lang="en-US" dirty="0"/>
+          </a:p>
+        </p:txBody>
+      </p:sp>
+      <p:sp>
+        <p:nvSpPr>
+          <p:cNvPr id="3" name="Content Placeholder 2"/>
+          <p:cNvSpPr>
+            <a:spLocks noGrp="1"/>
+          </p:cNvSpPr>
+          <p:nvPr>
+            <p:ph idx="1"/>
+          </p:nvPr>
+        </p:nvSpPr>
+        <p:spPr>
+          <a:xfrm>
+            <a:off x="838200" y="1825625"/>
+            <a:ext cx="10839994" cy="4351338"/>
+          </a:xfrm>
+        </p:spPr>
+        <p:txBody>
+          <a:bodyPr/>
+          <a:lstStyle/>
+          <a:p>
+            <a:r>
+              <a:rPr lang="en-US" dirty="0" smtClean="0"/>
+              <a:t>Not strong enough to find the toughest bugs</a:t>
+            </a:r>
+          </a:p>
+          <a:p>
+            <a:endParaRPr lang="en-US" dirty="0" smtClean="0"/>
+          </a:p>
+          <a:p>
+            <a:pPr marL="0" indent="0">
+              <a:buNone/>
+            </a:pPr>
+            <a:r>
+              <a:rPr lang="en-US" dirty="0" smtClean="0"/>
+              <a:t>How to Improve?</a:t>
+            </a:r>
+            <a:endParaRPr lang="en-US" dirty="0"/>
+          </a:p>
+          <a:p>
+            <a:r>
+              <a:rPr lang="en-US" dirty="0" smtClean="0"/>
+              <a:t>They do the Grunt work of testing, they should grunt while working out.</a:t>
+            </a:r>
+          </a:p>
+          <a:p>
+            <a:r>
+              <a:rPr lang="en-US" dirty="0" smtClean="0"/>
+              <a:t>Should judge the quality of workouts of everybody</a:t>
+            </a:r>
+          </a:p>
+          <a:p>
+            <a:endParaRPr lang="en-US" dirty="0" smtClean="0"/>
+          </a:p>
+          <a:p>
+            <a:endParaRPr lang="en-US" dirty="0"/>
+          </a:p>
+        </p:txBody>
+      </p:sp>
+      <p:pic>
+        <p:nvPicPr>
+          <p:cNvPr id="4" name="Picture 3"/>
+          <p:cNvPicPr>
+            <a:picLocks noChangeAspect="1"/>
+          </p:cNvPicPr>
+          <p:nvPr/>
+        </p:nvPicPr>
+        <p:blipFill>
+          <a:blip r:embed="rId2"/>
+          <a:stretch>
+            <a:fillRect/>
+          </a:stretch>
+        </p:blipFill>
+        <p:spPr>
+          <a:xfrm>
+            <a:off x="8281851" y="1476232"/>
+            <a:ext cx="1183957" cy="1199885"/>
+          </a:xfrm>
+          <a:prstGeom prst="rect">
+            <a:avLst/>
+          </a:prstGeom>
+        </p:spPr>
+      </p:pic>
+      <p:sp>
+        <p:nvSpPr>
+          <p:cNvPr id="5" name="TextBox 4"/>
+          <p:cNvSpPr txBox="1"/>
+          <p:nvPr/>
+        </p:nvSpPr>
+        <p:spPr>
+          <a:xfrm>
+            <a:off x="3600765" y="4702628"/>
+            <a:ext cx="2495235" cy="369332"/>
+          </a:xfrm>
+          <a:prstGeom prst="rect">
+            <a:avLst/>
+          </a:prstGeom>
+          <a:noFill/>
+        </p:spPr>
+        <p:txBody>
+          <a:bodyPr wrap="none" rtlCol="0">
+            <a:spAutoFit/>
+          </a:bodyPr>
+          <a:lstStyle/>
+          <a:p>
+            <a:r>
+              <a:rPr lang="en-US" b="1" dirty="0" smtClean="0"/>
+              <a:t>So what is the workout?</a:t>
+            </a:r>
+            <a:endParaRPr lang="en-US" b="1" dirty="0"/>
+          </a:p>
+        </p:txBody>
+      </p:sp>
+    </p:spTree>
+    <p:extLst>
+      <p:ext uri="{BB962C8B-B14F-4D97-AF65-F5344CB8AC3E}">
+        <p14:creationId xmlns:p14="http://schemas.microsoft.com/office/powerpoint/2010/main" val="3902186495"/>
+      </p:ext>
+    </p:extLst>
+  </p:cSld>
+  <p:clrMapOvr>
+    <a:masterClrMapping/>
+  </p:clrMapOvr>
+  <p:timing>
+    <p:tnLst>
+      <p:par>
+        <p:cTn id="1" dur="indefinite" restart="never" nodeType="tmRoot"/>
+      </p:par>
+    </p:tnLst>
+  </p:timing>
+</p:sld>
+</file>
+
+<file path=ppt/slides/slide12.xml><?xml version="1.0" encoding="utf-8"?>
+<p:sld xmlns:a="http://schemas.openxmlformats.org/drawingml/2006/main" xmlns:r="http://schemas.openxmlformats.org/officeDocument/2006/relationships" xmlns:p="http://schemas.openxmlformats.org/presentationml/2006/main">
+  <p:cSld>
+    <p:spTree>
+      <p:nvGrpSpPr>
+        <p:cNvPr id="1" name=""/>
+        <p:cNvGrpSpPr/>
+        <p:nvPr/>
+      </p:nvGrpSpPr>
+      <p:grpSpPr>
+        <a:xfrm>
+          <a:off x="0" y="0"/>
+          <a:ext cx="0" cy="0"/>
+          <a:chOff x="0" y="0"/>
+          <a:chExt cx="0" cy="0"/>
+        </a:xfrm>
+      </p:grpSpPr>
+      <p:sp>
+        <p:nvSpPr>
+          <p:cNvPr id="2" name="Title 1"/>
+          <p:cNvSpPr>
+            <a:spLocks noGrp="1"/>
+          </p:cNvSpPr>
+          <p:nvPr>
+            <p:ph type="title"/>
+          </p:nvPr>
+        </p:nvSpPr>
+        <p:spPr/>
+        <p:txBody>
+          <a:bodyPr/>
+          <a:lstStyle/>
+          <a:p>
+            <a:r>
+              <a:rPr lang="en-US" dirty="0" smtClean="0"/>
+              <a:t>5 High-Intensity Workout Routines</a:t>
+            </a:r>
+            <a:endParaRPr lang="en-US" dirty="0"/>
+          </a:p>
+        </p:txBody>
+      </p:sp>
+      <p:sp>
+        <p:nvSpPr>
+          <p:cNvPr id="3" name="Content Placeholder 2"/>
+          <p:cNvSpPr>
+            <a:spLocks noGrp="1"/>
+          </p:cNvSpPr>
+          <p:nvPr>
+            <p:ph idx="1"/>
+          </p:nvPr>
+        </p:nvSpPr>
+        <p:spPr/>
+        <p:txBody>
+          <a:bodyPr/>
+          <a:lstStyle/>
+          <a:p>
+            <a:r>
+              <a:rPr lang="en-US" dirty="0" smtClean="0"/>
+              <a:t>Pushups</a:t>
+            </a:r>
+          </a:p>
+          <a:p>
+            <a:r>
+              <a:rPr lang="en-US" dirty="0" smtClean="0"/>
+              <a:t>Stretching</a:t>
+            </a:r>
+          </a:p>
+          <a:p>
+            <a:r>
+              <a:rPr lang="en-US" dirty="0" smtClean="0"/>
+              <a:t>Squats</a:t>
+            </a:r>
+          </a:p>
+          <a:p>
+            <a:r>
+              <a:rPr lang="en-US" dirty="0" smtClean="0"/>
+              <a:t>Sit-ups</a:t>
+            </a:r>
+            <a:endParaRPr lang="en-US" dirty="0"/>
+          </a:p>
+          <a:p>
+            <a:r>
+              <a:rPr lang="en-US" dirty="0" smtClean="0"/>
+              <a:t>Running Laps Around ImageTrend Building</a:t>
+            </a:r>
+            <a:endParaRPr lang="en-US" dirty="0"/>
+          </a:p>
+        </p:txBody>
+      </p:sp>
+      <p:pic>
+        <p:nvPicPr>
+          <p:cNvPr id="6" name="Picture 5"/>
+          <p:cNvPicPr>
+            <a:picLocks noChangeAspect="1"/>
+          </p:cNvPicPr>
+          <p:nvPr/>
+        </p:nvPicPr>
+        <p:blipFill>
+          <a:blip r:embed="rId2" cstate="print">
+            <a:extLst>
+              <a:ext uri="{28A0092B-C50C-407E-A947-70E740481C1C}">
+                <a14:useLocalDpi xmlns:a14="http://schemas.microsoft.com/office/drawing/2010/main" val="0"/>
+              </a:ext>
+            </a:extLst>
+          </a:blip>
+          <a:stretch>
+            <a:fillRect/>
+          </a:stretch>
+        </p:blipFill>
+        <p:spPr>
+          <a:xfrm>
+            <a:off x="10198824" y="3500847"/>
+            <a:ext cx="1469571" cy="1959428"/>
+          </a:xfrm>
+          <a:prstGeom prst="rect">
+            <a:avLst/>
+          </a:prstGeom>
+        </p:spPr>
+      </p:pic>
+      <p:pic>
+        <p:nvPicPr>
+          <p:cNvPr id="10" name="Picture 9"/>
+          <p:cNvPicPr>
+            <a:picLocks noChangeAspect="1"/>
+          </p:cNvPicPr>
+          <p:nvPr/>
+        </p:nvPicPr>
+        <p:blipFill>
+          <a:blip r:embed="rId3" cstate="print">
+            <a:extLst>
+              <a:ext uri="{28A0092B-C50C-407E-A947-70E740481C1C}">
+                <a14:useLocalDpi xmlns:a14="http://schemas.microsoft.com/office/drawing/2010/main" val="0"/>
+              </a:ext>
+            </a:extLst>
+          </a:blip>
+          <a:stretch>
+            <a:fillRect/>
+          </a:stretch>
+        </p:blipFill>
+        <p:spPr>
+          <a:xfrm>
+            <a:off x="9065894" y="4711337"/>
+            <a:ext cx="1304925" cy="1739900"/>
+          </a:xfrm>
+          <a:prstGeom prst="rect">
+            <a:avLst/>
+          </a:prstGeom>
+        </p:spPr>
+      </p:pic>
+      <p:pic>
+        <p:nvPicPr>
+          <p:cNvPr id="11" name="Picture 10"/>
+          <p:cNvPicPr>
+            <a:picLocks noChangeAspect="1"/>
+          </p:cNvPicPr>
+          <p:nvPr/>
+        </p:nvPicPr>
+        <p:blipFill>
+          <a:blip r:embed="rId4" cstate="print">
+            <a:extLst>
+              <a:ext uri="{28A0092B-C50C-407E-A947-70E740481C1C}">
+                <a14:useLocalDpi xmlns:a14="http://schemas.microsoft.com/office/drawing/2010/main" val="0"/>
+              </a:ext>
+            </a:extLst>
+          </a:blip>
+          <a:stretch>
+            <a:fillRect/>
+          </a:stretch>
+        </p:blipFill>
+        <p:spPr>
+          <a:xfrm>
+            <a:off x="5123225" y="4727641"/>
+            <a:ext cx="1945549" cy="1465267"/>
+          </a:xfrm>
+          <a:prstGeom prst="rect">
+            <a:avLst/>
+          </a:prstGeom>
+        </p:spPr>
+      </p:pic>
+      <p:pic>
+        <p:nvPicPr>
+          <p:cNvPr id="12" name="Picture 11"/>
+          <p:cNvPicPr>
+            <a:picLocks noChangeAspect="1"/>
+          </p:cNvPicPr>
+          <p:nvPr/>
+        </p:nvPicPr>
+        <p:blipFill>
+          <a:blip r:embed="rId5" cstate="print">
+            <a:extLst>
+              <a:ext uri="{28A0092B-C50C-407E-A947-70E740481C1C}">
+                <a14:useLocalDpi xmlns:a14="http://schemas.microsoft.com/office/drawing/2010/main" val="0"/>
+              </a:ext>
+            </a:extLst>
+          </a:blip>
+          <a:stretch>
+            <a:fillRect/>
+          </a:stretch>
+        </p:blipFill>
+        <p:spPr>
+          <a:xfrm>
+            <a:off x="9612628" y="1168378"/>
+            <a:ext cx="1320981" cy="1761308"/>
+          </a:xfrm>
+          <a:prstGeom prst="rect">
+            <a:avLst/>
+          </a:prstGeom>
+        </p:spPr>
+      </p:pic>
+      <p:pic>
+        <p:nvPicPr>
+          <p:cNvPr id="13" name="Picture 12"/>
+          <p:cNvPicPr>
+            <a:picLocks noChangeAspect="1"/>
+          </p:cNvPicPr>
+          <p:nvPr/>
+        </p:nvPicPr>
+        <p:blipFill>
+          <a:blip r:embed="rId6">
+            <a:extLst>
+              <a:ext uri="{28A0092B-C50C-407E-A947-70E740481C1C}">
+                <a14:useLocalDpi xmlns:a14="http://schemas.microsoft.com/office/drawing/2010/main" val="0"/>
+              </a:ext>
+            </a:extLst>
+          </a:blip>
+          <a:stretch>
+            <a:fillRect/>
+          </a:stretch>
+        </p:blipFill>
+        <p:spPr>
+          <a:xfrm>
+            <a:off x="1652789" y="4545761"/>
+            <a:ext cx="1327924" cy="1766139"/>
+          </a:xfrm>
+          <a:prstGeom prst="rect">
+            <a:avLst/>
+          </a:prstGeom>
+        </p:spPr>
+      </p:pic>
+    </p:spTree>
+    <p:extLst>
+      <p:ext uri="{BB962C8B-B14F-4D97-AF65-F5344CB8AC3E}">
+        <p14:creationId xmlns:p14="http://schemas.microsoft.com/office/powerpoint/2010/main" val="2759482700"/>
+      </p:ext>
+    </p:extLst>
+  </p:cSld>
+  <p:clrMapOvr>
+    <a:masterClrMapping/>
+  </p:clrMapOvr>
+  <p:timing>
+    <p:tnLst>
+      <p:par>
+        <p:cTn id="1" dur="indefinite" restart="never" nodeType="tmRoot"/>
+      </p:par>
+    </p:tnLst>
+  </p:timing>
+</p:sld>
+</file>
+
+<file path=ppt/slides/slide13.xml><?xml version="1.0" encoding="utf-8"?>
+<p:sld xmlns:a="http://schemas.openxmlformats.org/drawingml/2006/main" xmlns:r="http://schemas.openxmlformats.org/officeDocument/2006/relationships" xmlns:p="http://schemas.openxmlformats.org/presentationml/2006/main">
+  <p:cSld>
+    <p:spTree>
+      <p:nvGrpSpPr>
+        <p:cNvPr id="1" name=""/>
+        <p:cNvGrpSpPr/>
+        <p:nvPr/>
+      </p:nvGrpSpPr>
+      <p:grpSpPr>
+        <a:xfrm>
+          <a:off x="0" y="0"/>
+          <a:ext cx="0" cy="0"/>
+          <a:chOff x="0" y="0"/>
+          <a:chExt cx="0" cy="0"/>
+        </a:xfrm>
+      </p:grpSpPr>
+      <p:sp>
+        <p:nvSpPr>
+          <p:cNvPr id="2" name="Title 1"/>
+          <p:cNvSpPr>
+            <a:spLocks noGrp="1"/>
+          </p:cNvSpPr>
+          <p:nvPr>
+            <p:ph type="title"/>
+          </p:nvPr>
+        </p:nvSpPr>
+        <p:spPr/>
+        <p:txBody>
+          <a:bodyPr/>
+          <a:lstStyle/>
+          <a:p>
+            <a:r>
+              <a:rPr lang="en-US" dirty="0" smtClean="0"/>
+              <a:t>Building an App</a:t>
+            </a:r>
+            <a:endParaRPr lang="en-US" dirty="0"/>
+          </a:p>
+        </p:txBody>
+      </p:sp>
+      <p:sp>
+        <p:nvSpPr>
+          <p:cNvPr id="3" name="Content Placeholder 2"/>
+          <p:cNvSpPr>
+            <a:spLocks noGrp="1"/>
+          </p:cNvSpPr>
+          <p:nvPr>
+            <p:ph idx="1"/>
+          </p:nvPr>
+        </p:nvSpPr>
+        <p:spPr/>
+        <p:txBody>
+          <a:bodyPr/>
+          <a:lstStyle/>
+          <a:p>
+            <a:r>
+              <a:rPr lang="en-US" dirty="0" smtClean="0"/>
+              <a:t>Just like building Muscle </a:t>
+            </a:r>
+          </a:p>
+          <a:p>
+            <a:r>
+              <a:rPr lang="en-US" dirty="0" smtClean="0"/>
+              <a:t>Record workouts</a:t>
+            </a:r>
+          </a:p>
+          <a:p>
+            <a:r>
+              <a:rPr lang="en-US" dirty="0" smtClean="0"/>
+              <a:t>See your stats in real time</a:t>
+            </a:r>
+          </a:p>
+          <a:p>
+            <a:r>
+              <a:rPr lang="en-US" dirty="0" smtClean="0"/>
+              <a:t>See the gains of others</a:t>
+            </a:r>
+          </a:p>
+          <a:p>
+            <a:r>
+              <a:rPr lang="en-US" dirty="0" smtClean="0"/>
+              <a:t>Security is a high priority</a:t>
+            </a:r>
+          </a:p>
+        </p:txBody>
+      </p:sp>
+    </p:spTree>
+    <p:extLst>
+      <p:ext uri="{BB962C8B-B14F-4D97-AF65-F5344CB8AC3E}">
+        <p14:creationId xmlns:p14="http://schemas.microsoft.com/office/powerpoint/2010/main" val="466169946"/>
+      </p:ext>
+    </p:extLst>
+  </p:cSld>
+  <p:clrMapOvr>
+    <a:masterClrMapping/>
+  </p:clrMapOvr>
+  <p:timing>
+    <p:tnLst>
+      <p:par>
+        <p:cTn id="1" dur="indefinite" restart="never" nodeType="tmRoot"/>
+      </p:par>
+    </p:tnLst>
+  </p:timing>
+</p:sld>
+</file>
+
+<file path=ppt/slides/slide14.xml><?xml version="1.0" encoding="utf-8"?>
+<p:sld xmlns:a="http://schemas.openxmlformats.org/drawingml/2006/main" xmlns:r="http://schemas.openxmlformats.org/officeDocument/2006/relationships" xmlns:p="http://schemas.openxmlformats.org/presentationml/2006/main">
+  <p:cSld>
+    <p:spTree>
+      <p:nvGrpSpPr>
+        <p:cNvPr id="1" name=""/>
+        <p:cNvGrpSpPr/>
+        <p:nvPr/>
+      </p:nvGrpSpPr>
+      <p:grpSpPr>
+        <a:xfrm>
+          <a:off x="0" y="0"/>
+          <a:ext cx="0" cy="0"/>
+          <a:chOff x="0" y="0"/>
+          <a:chExt cx="0" cy="0"/>
+        </a:xfrm>
+      </p:grpSpPr>
+      <p:sp>
+        <p:nvSpPr>
+          <p:cNvPr id="2" name="Title 1"/>
+          <p:cNvSpPr>
+            <a:spLocks noGrp="1"/>
+          </p:cNvSpPr>
+          <p:nvPr>
+            <p:ph type="title"/>
+          </p:nvPr>
+        </p:nvSpPr>
+        <p:spPr/>
+        <p:txBody>
+          <a:bodyPr/>
+          <a:lstStyle/>
+          <a:p>
+            <a:r>
+              <a:rPr lang="en-US" dirty="0" smtClean="0"/>
+              <a:t>Building an App</a:t>
+            </a:r>
+            <a:endParaRPr lang="en-US" dirty="0"/>
+          </a:p>
+        </p:txBody>
+      </p:sp>
+      <p:pic>
+        <p:nvPicPr>
+          <p:cNvPr id="4" name="Picture 3"/>
+          <p:cNvPicPr>
+            <a:picLocks noChangeAspect="1"/>
+          </p:cNvPicPr>
+          <p:nvPr/>
+        </p:nvPicPr>
+        <p:blipFill>
+          <a:blip r:embed="rId2"/>
+          <a:stretch>
+            <a:fillRect/>
+          </a:stretch>
+        </p:blipFill>
+        <p:spPr>
+          <a:xfrm>
+            <a:off x="6427519" y="2383439"/>
+            <a:ext cx="2399565" cy="2158848"/>
+          </a:xfrm>
+          <a:prstGeom prst="rect">
+            <a:avLst/>
+          </a:prstGeom>
+          <a:ln w="38100" cap="sq">
+            <a:solidFill>
+              <a:srgbClr val="000000"/>
+            </a:solidFill>
+            <a:prstDash val="solid"/>
+            <a:miter lim="800000"/>
+          </a:ln>
+          <a:effectLst>
+            <a:outerShdw blurRad="50800" dist="38100" dir="2700000" algn="tl" rotWithShape="0">
+              <a:srgbClr val="000000">
+                <a:alpha val="43000"/>
+              </a:srgbClr>
+            </a:outerShdw>
+          </a:effectLst>
+        </p:spPr>
+      </p:pic>
+      <p:pic>
+        <p:nvPicPr>
+          <p:cNvPr id="5" name="Picture 4"/>
+          <p:cNvPicPr>
+            <a:picLocks noChangeAspect="1"/>
+          </p:cNvPicPr>
+          <p:nvPr/>
+        </p:nvPicPr>
+        <p:blipFill>
+          <a:blip r:embed="rId3"/>
+          <a:stretch>
+            <a:fillRect/>
+          </a:stretch>
+        </p:blipFill>
+        <p:spPr>
+          <a:xfrm>
+            <a:off x="3337819" y="2437034"/>
+            <a:ext cx="2399565" cy="1995780"/>
+          </a:xfrm>
+          <a:prstGeom prst="rect">
+            <a:avLst/>
+          </a:prstGeom>
+          <a:ln w="38100" cap="sq">
+            <a:solidFill>
+              <a:srgbClr val="000000"/>
+            </a:solidFill>
+            <a:prstDash val="solid"/>
+            <a:miter lim="800000"/>
+          </a:ln>
+          <a:effectLst>
+            <a:outerShdw blurRad="50800" dist="38100" dir="2700000" algn="tl" rotWithShape="0">
+              <a:srgbClr val="000000">
+                <a:alpha val="43000"/>
+              </a:srgbClr>
+            </a:outerShdw>
+          </a:effectLst>
+        </p:spPr>
+      </p:pic>
+      <p:pic>
+        <p:nvPicPr>
+          <p:cNvPr id="6" name="Picture 5"/>
+          <p:cNvPicPr>
+            <a:picLocks noChangeAspect="1"/>
+          </p:cNvPicPr>
+          <p:nvPr/>
+        </p:nvPicPr>
+        <p:blipFill>
+          <a:blip r:embed="rId4"/>
+          <a:stretch>
+            <a:fillRect/>
+          </a:stretch>
+        </p:blipFill>
+        <p:spPr>
+          <a:xfrm>
+            <a:off x="9745540" y="1691618"/>
+            <a:ext cx="2140703" cy="3409268"/>
+          </a:xfrm>
+          <a:prstGeom prst="rect">
+            <a:avLst/>
+          </a:prstGeom>
+          <a:ln w="38100" cap="sq">
+            <a:solidFill>
+              <a:srgbClr val="000000"/>
+            </a:solidFill>
+            <a:prstDash val="solid"/>
+            <a:miter lim="800000"/>
+          </a:ln>
+          <a:effectLst>
+            <a:outerShdw blurRad="50800" dist="38100" dir="2700000" algn="tl" rotWithShape="0">
+              <a:srgbClr val="000000">
+                <a:alpha val="43000"/>
+              </a:srgbClr>
+            </a:outerShdw>
+          </a:effectLst>
+        </p:spPr>
+      </p:pic>
+      <p:pic>
+        <p:nvPicPr>
+          <p:cNvPr id="7" name="Picture 6"/>
+          <p:cNvPicPr>
+            <a:picLocks noChangeAspect="1"/>
+          </p:cNvPicPr>
+          <p:nvPr/>
+        </p:nvPicPr>
+        <p:blipFill>
+          <a:blip r:embed="rId5"/>
+          <a:stretch>
+            <a:fillRect/>
+          </a:stretch>
+        </p:blipFill>
+        <p:spPr>
+          <a:xfrm>
+            <a:off x="354014" y="2437034"/>
+            <a:ext cx="2325518" cy="1918436"/>
+          </a:xfrm>
+          <a:prstGeom prst="rect">
+            <a:avLst/>
+          </a:prstGeom>
+          <a:ln w="38100" cap="sq">
+            <a:solidFill>
+              <a:srgbClr val="000000"/>
+            </a:solidFill>
+            <a:prstDash val="solid"/>
+            <a:miter lim="800000"/>
+          </a:ln>
+          <a:effectLst>
+            <a:outerShdw blurRad="50800" dist="38100" dir="2700000" algn="tl" rotWithShape="0">
+              <a:srgbClr val="000000">
+                <a:alpha val="43000"/>
+              </a:srgbClr>
+            </a:outerShdw>
+          </a:effectLst>
+        </p:spPr>
+      </p:pic>
+      <p:pic>
+        <p:nvPicPr>
+          <p:cNvPr id="8" name="Picture 2" descr="Image result for polymer png"/>
+          <p:cNvPicPr>
+            <a:picLocks noChangeAspect="1" noChangeArrowheads="1"/>
+          </p:cNvPicPr>
+          <p:nvPr/>
+        </p:nvPicPr>
+        <p:blipFill>
+          <a:blip r:embed="rId6" cstate="print">
+            <a:extLst>
+              <a:ext uri="{28A0092B-C50C-407E-A947-70E740481C1C}">
+                <a14:useLocalDpi xmlns:a14="http://schemas.microsoft.com/office/drawing/2010/main" val="0"/>
+              </a:ext>
+            </a:extLst>
+          </a:blip>
+          <a:srcRect/>
+          <a:stretch>
+            <a:fillRect/>
+          </a:stretch>
+        </p:blipFill>
+        <p:spPr bwMode="auto">
+          <a:xfrm>
+            <a:off x="1127260" y="3034295"/>
+            <a:ext cx="775887" cy="539747"/>
+          </a:xfrm>
+          <a:prstGeom prst="rect">
+            <a:avLst/>
+          </a:prstGeom>
+          <a:noFill/>
+          <a:extLst>
+            <a:ext uri="{909E8E84-426E-40DD-AFC4-6F175D3DCCD1}">
+              <a14:hiddenFill xmlns:a14="http://schemas.microsoft.com/office/drawing/2010/main">
+                <a:solidFill>
+                  <a:srgbClr val="FFFFFF"/>
+                </a:solidFill>
+              </a14:hiddenFill>
+            </a:ext>
+          </a:extLst>
+        </p:spPr>
+      </p:pic>
+      <p:pic>
+        <p:nvPicPr>
+          <p:cNvPr id="9" name="Picture 4" descr="Image result for firebase png"/>
+          <p:cNvPicPr>
+            <a:picLocks noChangeAspect="1" noChangeArrowheads="1"/>
+          </p:cNvPicPr>
+          <p:nvPr/>
+        </p:nvPicPr>
+        <p:blipFill>
+          <a:blip r:embed="rId7" cstate="print">
+            <a:extLst>
+              <a:ext uri="{28A0092B-C50C-407E-A947-70E740481C1C}">
+                <a14:useLocalDpi xmlns:a14="http://schemas.microsoft.com/office/drawing/2010/main" val="0"/>
+              </a:ext>
+            </a:extLst>
+          </a:blip>
+          <a:srcRect/>
+          <a:stretch>
+            <a:fillRect/>
+          </a:stretch>
+        </p:blipFill>
+        <p:spPr bwMode="auto">
+          <a:xfrm>
+            <a:off x="7345975" y="3205954"/>
+            <a:ext cx="590504" cy="590504"/>
+          </a:xfrm>
+          <a:prstGeom prst="rect">
+            <a:avLst/>
+          </a:prstGeom>
+          <a:noFill/>
+          <a:extLst>
+            <a:ext uri="{909E8E84-426E-40DD-AFC4-6F175D3DCCD1}">
+              <a14:hiddenFill xmlns:a14="http://schemas.microsoft.com/office/drawing/2010/main">
+                <a:solidFill>
+                  <a:srgbClr val="FFFFFF"/>
+                </a:solidFill>
+              </a14:hiddenFill>
+            </a:ext>
+          </a:extLst>
+        </p:spPr>
+      </p:pic>
+      <p:pic>
+        <p:nvPicPr>
+          <p:cNvPr id="10" name="Picture 6" descr="Image result for aws png"/>
+          <p:cNvPicPr>
+            <a:picLocks noChangeAspect="1" noChangeArrowheads="1"/>
+          </p:cNvPicPr>
+          <p:nvPr/>
+        </p:nvPicPr>
+        <p:blipFill>
+          <a:blip r:embed="rId8" cstate="print">
+            <a:extLst>
+              <a:ext uri="{28A0092B-C50C-407E-A947-70E740481C1C}">
+                <a14:useLocalDpi xmlns:a14="http://schemas.microsoft.com/office/drawing/2010/main" val="0"/>
+              </a:ext>
+            </a:extLst>
+          </a:blip>
+          <a:srcRect/>
+          <a:stretch>
+            <a:fillRect/>
+          </a:stretch>
+        </p:blipFill>
+        <p:spPr bwMode="auto">
+          <a:xfrm>
+            <a:off x="4217252" y="3389354"/>
+            <a:ext cx="717570" cy="430542"/>
+          </a:xfrm>
+          <a:prstGeom prst="rect">
+            <a:avLst/>
+          </a:prstGeom>
+          <a:noFill/>
+          <a:extLst>
+            <a:ext uri="{909E8E84-426E-40DD-AFC4-6F175D3DCCD1}">
+              <a14:hiddenFill xmlns:a14="http://schemas.microsoft.com/office/drawing/2010/main">
+                <a:solidFill>
+                  <a:srgbClr val="FFFFFF"/>
+                </a:solidFill>
+              </a14:hiddenFill>
+            </a:ext>
+          </a:extLst>
+        </p:spPr>
+      </p:pic>
+      <p:sp>
+        <p:nvSpPr>
+          <p:cNvPr id="11" name="TextBox 10"/>
+          <p:cNvSpPr txBox="1"/>
+          <p:nvPr/>
+        </p:nvSpPr>
+        <p:spPr>
+          <a:xfrm>
+            <a:off x="2637044" y="2666079"/>
+            <a:ext cx="747320" cy="1446550"/>
+          </a:xfrm>
+          <a:prstGeom prst="rect">
+            <a:avLst/>
+          </a:prstGeom>
+          <a:noFill/>
+        </p:spPr>
+        <p:txBody>
+          <a:bodyPr wrap="none" rtlCol="0">
+            <a:spAutoFit/>
+          </a:bodyPr>
+          <a:lstStyle/>
+          <a:p>
+            <a:r>
+              <a:rPr lang="en-US" sz="8800" dirty="0" smtClean="0"/>
+              <a:t>+</a:t>
+            </a:r>
+            <a:endParaRPr lang="en-US" sz="8800" dirty="0"/>
+          </a:p>
+        </p:txBody>
+      </p:sp>
+      <p:sp>
+        <p:nvSpPr>
+          <p:cNvPr id="12" name="TextBox 11"/>
+          <p:cNvSpPr txBox="1"/>
+          <p:nvPr/>
+        </p:nvSpPr>
+        <p:spPr>
+          <a:xfrm>
+            <a:off x="5728825" y="2666079"/>
+            <a:ext cx="747320" cy="1446550"/>
+          </a:xfrm>
+          <a:prstGeom prst="rect">
+            <a:avLst/>
+          </a:prstGeom>
+          <a:noFill/>
+        </p:spPr>
+        <p:txBody>
+          <a:bodyPr wrap="none" rtlCol="0">
+            <a:spAutoFit/>
+          </a:bodyPr>
+          <a:lstStyle/>
+          <a:p>
+            <a:r>
+              <a:rPr lang="en-US" sz="8800" dirty="0" smtClean="0"/>
+              <a:t>+</a:t>
+            </a:r>
+            <a:endParaRPr lang="en-US" sz="8800" dirty="0"/>
+          </a:p>
+        </p:txBody>
+      </p:sp>
+      <p:sp>
+        <p:nvSpPr>
+          <p:cNvPr id="13" name="TextBox 12"/>
+          <p:cNvSpPr txBox="1"/>
+          <p:nvPr/>
+        </p:nvSpPr>
+        <p:spPr>
+          <a:xfrm>
+            <a:off x="8912652" y="2674308"/>
+            <a:ext cx="747320" cy="1446550"/>
+          </a:xfrm>
+          <a:prstGeom prst="rect">
+            <a:avLst/>
+          </a:prstGeom>
+          <a:noFill/>
+        </p:spPr>
+        <p:txBody>
+          <a:bodyPr wrap="none" rtlCol="0">
+            <a:spAutoFit/>
+          </a:bodyPr>
+          <a:lstStyle/>
+          <a:p>
+            <a:r>
+              <a:rPr lang="en-US" sz="8800" dirty="0" smtClean="0"/>
+              <a:t>=</a:t>
+            </a:r>
+            <a:endParaRPr lang="en-US" sz="8800" dirty="0"/>
+          </a:p>
+        </p:txBody>
+      </p:sp>
+    </p:spTree>
+    <p:extLst>
+      <p:ext uri="{BB962C8B-B14F-4D97-AF65-F5344CB8AC3E}">
+        <p14:creationId xmlns:p14="http://schemas.microsoft.com/office/powerpoint/2010/main" val="439047342"/>
+      </p:ext>
+    </p:extLst>
+  </p:cSld>
+  <p:clrMapOvr>
+    <a:masterClrMapping/>
+  </p:clrMapOvr>
+</p:sld>
+</file>
+
+<file path=ppt/slides/slide15.xml><?xml version="1.0" encoding="utf-8"?>
+<p:sld xmlns:a="http://schemas.openxmlformats.org/drawingml/2006/main" xmlns:r="http://schemas.openxmlformats.org/officeDocument/2006/relationships" xmlns:p="http://schemas.openxmlformats.org/presentationml/2006/main">
+  <p:cSld>
+    <p:spTree>
+      <p:nvGrpSpPr>
+        <p:cNvPr id="1" name=""/>
+        <p:cNvGrpSpPr/>
+        <p:nvPr/>
+      </p:nvGrpSpPr>
+      <p:grpSpPr>
+        <a:xfrm>
+          <a:off x="0" y="0"/>
+          <a:ext cx="0" cy="0"/>
+          <a:chOff x="0" y="0"/>
+          <a:chExt cx="0" cy="0"/>
+        </a:xfrm>
+      </p:grpSpPr>
+      <p:sp>
+        <p:nvSpPr>
+          <p:cNvPr id="2" name="Title 1"/>
+          <p:cNvSpPr>
+            <a:spLocks noGrp="1"/>
+          </p:cNvSpPr>
+          <p:nvPr>
+            <p:ph type="title"/>
+          </p:nvPr>
+        </p:nvSpPr>
+        <p:spPr/>
+        <p:txBody>
+          <a:bodyPr/>
+          <a:lstStyle/>
+          <a:p>
+            <a:r>
+              <a:rPr lang="en-US" dirty="0" smtClean="0"/>
+              <a:t>Questions?</a:t>
+            </a:r>
+            <a:r>
+              <a:rPr lang="en-US" b="1" dirty="0" smtClean="0"/>
+              <a:t>?</a:t>
+            </a:r>
+            <a:r>
+              <a:rPr lang="en-US" dirty="0" smtClean="0"/>
+              <a:t>?</a:t>
+            </a:r>
+            <a:r>
+              <a:rPr lang="en-US" b="1" dirty="0" smtClean="0"/>
+              <a:t>?</a:t>
+            </a:r>
+            <a:r>
+              <a:rPr lang="en-US" dirty="0" smtClean="0"/>
+              <a:t>?</a:t>
+            </a:r>
+            <a:r>
+              <a:rPr lang="en-US" b="1" dirty="0" smtClean="0"/>
+              <a:t>?</a:t>
+            </a:r>
+            <a:r>
+              <a:rPr lang="en-US" dirty="0" smtClean="0"/>
+              <a:t>?</a:t>
+            </a:r>
+            <a:r>
+              <a:rPr lang="en-US" b="1" dirty="0" smtClean="0"/>
+              <a:t>?</a:t>
+            </a:r>
+            <a:r>
+              <a:rPr lang="en-US" dirty="0" smtClean="0"/>
+              <a:t>?</a:t>
+            </a:r>
+            <a:r>
+              <a:rPr lang="en-US" b="1" dirty="0" smtClean="0"/>
+              <a:t>?</a:t>
+            </a:r>
+            <a:r>
+              <a:rPr lang="en-US" dirty="0" smtClean="0"/>
+              <a:t>?</a:t>
+            </a:r>
+            <a:r>
+              <a:rPr lang="en-US" b="1" dirty="0" smtClean="0"/>
+              <a:t>?</a:t>
+            </a:r>
+            <a:r>
+              <a:rPr lang="en-US" dirty="0" smtClean="0"/>
+              <a:t>?</a:t>
+            </a:r>
+            <a:r>
+              <a:rPr lang="en-US" b="1" dirty="0" smtClean="0"/>
+              <a:t>?</a:t>
+            </a:r>
+            <a:r>
+              <a:rPr lang="en-US" dirty="0" smtClean="0"/>
+              <a:t>?</a:t>
+            </a:r>
+            <a:r>
+              <a:rPr lang="en-US" b="1" dirty="0" smtClean="0"/>
+              <a:t>?</a:t>
+            </a:r>
+            <a:r>
+              <a:rPr lang="en-US" dirty="0" smtClean="0"/>
+              <a:t>?</a:t>
+            </a:r>
+            <a:r>
+              <a:rPr lang="en-US" b="1" dirty="0" smtClean="0"/>
+              <a:t>?</a:t>
+            </a:r>
+            <a:r>
+              <a:rPr lang="en-US" dirty="0" smtClean="0"/>
+              <a:t>?</a:t>
+            </a:r>
+            <a:r>
+              <a:rPr lang="en-US" b="1" dirty="0" smtClean="0"/>
+              <a:t>?</a:t>
+            </a:r>
+            <a:r>
+              <a:rPr lang="en-US" dirty="0" smtClean="0"/>
+              <a:t>?</a:t>
+            </a:r>
+            <a:endParaRPr lang="en-US" dirty="0"/>
+          </a:p>
+        </p:txBody>
+      </p:sp>
+      <p:sp>
+        <p:nvSpPr>
+          <p:cNvPr id="3" name="Content Placeholder 2"/>
+          <p:cNvSpPr>
+            <a:spLocks noGrp="1"/>
+          </p:cNvSpPr>
+          <p:nvPr>
+            <p:ph idx="1"/>
+          </p:nvPr>
+        </p:nvSpPr>
+        <p:spPr/>
+        <p:txBody>
+          <a:bodyPr/>
+          <a:lstStyle/>
+          <a:p>
+            <a:pPr marL="0" indent="0">
+              <a:buNone/>
+            </a:pPr>
+            <a:r>
+              <a:rPr lang="en-US" dirty="0" smtClean="0"/>
+              <a:t>Good Questions:</a:t>
+            </a:r>
+          </a:p>
+          <a:p>
+            <a:r>
+              <a:rPr lang="en-US" dirty="0" smtClean="0"/>
+              <a:t>What are some details of the technologies used in this project?</a:t>
+            </a:r>
+          </a:p>
+          <a:p>
+            <a:r>
+              <a:rPr lang="en-US" dirty="0" smtClean="0"/>
+              <a:t>If you had more time what would you do?</a:t>
+            </a:r>
+          </a:p>
+          <a:p>
+            <a:r>
+              <a:rPr lang="en-US" dirty="0" smtClean="0"/>
+              <a:t>How much can you bench?</a:t>
+            </a:r>
+          </a:p>
+          <a:p>
+            <a:pPr marL="0" indent="0">
+              <a:buNone/>
+            </a:pPr>
+            <a:endParaRPr lang="en-US" dirty="0" smtClean="0"/>
+          </a:p>
+          <a:p>
+            <a:pPr marL="0" indent="0">
+              <a:buNone/>
+            </a:pPr>
+            <a:r>
+              <a:rPr lang="en-US" dirty="0" smtClean="0"/>
+              <a:t>Bad Questions:</a:t>
+            </a:r>
+            <a:endParaRPr lang="en-US" dirty="0"/>
+          </a:p>
+          <a:p>
+            <a:r>
+              <a:rPr lang="en-US" dirty="0" smtClean="0"/>
+              <a:t>Did you actually do any work?</a:t>
+            </a:r>
+          </a:p>
+          <a:p>
+            <a:r>
+              <a:rPr lang="en-US" dirty="0" smtClean="0"/>
+              <a:t>I'm offended by your project.</a:t>
+            </a:r>
+            <a:endParaRPr lang="en-US" dirty="0"/>
+          </a:p>
+        </p:txBody>
+      </p:sp>
+    </p:spTree>
+    <p:extLst>
+      <p:ext uri="{BB962C8B-B14F-4D97-AF65-F5344CB8AC3E}">
+        <p14:creationId xmlns:p14="http://schemas.microsoft.com/office/powerpoint/2010/main" val="3462942551"/>
+      </p:ext>
+    </p:extLst>
+  </p:cSld>
+  <p:clrMapOvr>
+    <a:masterClrMapping/>
+  </p:clrMapOvr>
+</p:sld>
+</file>
+
+<file path=ppt/slides/slide2.xml><?xml version="1.0" encoding="utf-8"?>
+<p:sld xmlns:a="http://schemas.openxmlformats.org/drawingml/2006/main" xmlns:r="http://schemas.openxmlformats.org/officeDocument/2006/relationships" xmlns:p="http://schemas.openxmlformats.org/presentationml/2006/main">
+  <p:cSld>
+    <p:spTree>
+      <p:nvGrpSpPr>
+        <p:cNvPr id="1" name=""/>
+        <p:cNvGrpSpPr/>
+        <p:nvPr/>
+      </p:nvGrpSpPr>
+      <p:grpSpPr>
+        <a:xfrm>
+          <a:off x="0" y="0"/>
+          <a:ext cx="0" cy="0"/>
+          <a:chOff x="0" y="0"/>
+          <a:chExt cx="0" cy="0"/>
+        </a:xfrm>
+      </p:grpSpPr>
+      <p:sp>
+        <p:nvSpPr>
+          <p:cNvPr id="2" name="Title 1"/>
+          <p:cNvSpPr>
+            <a:spLocks noGrp="1"/>
+          </p:cNvSpPr>
+          <p:nvPr>
+            <p:ph type="title"/>
+          </p:nvPr>
+        </p:nvSpPr>
+        <p:spPr>
+          <a:xfrm>
+            <a:off x="838200" y="365125"/>
+            <a:ext cx="11170920" cy="1325563"/>
+          </a:xfrm>
+        </p:spPr>
+        <p:txBody>
+          <a:bodyPr/>
+          <a:lstStyle/>
+          <a:p>
+            <a:r>
+              <a:rPr lang="en-US" dirty="0" smtClean="0"/>
+              <a:t>What I Have Noticed – Topics of this discussion</a:t>
+            </a:r>
+            <a:endParaRPr lang="en-US" dirty="0"/>
+          </a:p>
+        </p:txBody>
+      </p:sp>
+      <p:sp>
+        <p:nvSpPr>
+          <p:cNvPr id="3" name="Content Placeholder 2"/>
+          <p:cNvSpPr>
+            <a:spLocks noGrp="1"/>
+          </p:cNvSpPr>
+          <p:nvPr>
+            <p:ph idx="1"/>
+          </p:nvPr>
+        </p:nvSpPr>
+        <p:spPr/>
+        <p:txBody>
+          <a:bodyPr/>
+          <a:lstStyle/>
+          <a:p>
+            <a:r>
+              <a:rPr lang="en-US" dirty="0" smtClean="0"/>
+              <a:t>There are many weak things that make ImageTrend WEAK and ImageTrend is not the strong company that it once was.</a:t>
+            </a:r>
+          </a:p>
+          <a:p>
+            <a:r>
+              <a:rPr lang="en-US" dirty="0" smtClean="0"/>
+              <a:t>A high-intensity workout routine and app needs to be build out that makes us strong</a:t>
+            </a:r>
+          </a:p>
+          <a:p>
+            <a:r>
+              <a:rPr lang="en-US" dirty="0" smtClean="0"/>
+              <a:t>And we need to hit the ImageTrend Gym</a:t>
+            </a:r>
+            <a:endParaRPr lang="en-US" dirty="0"/>
+          </a:p>
+        </p:txBody>
+      </p:sp>
+    </p:spTree>
+    <p:extLst>
+      <p:ext uri="{BB962C8B-B14F-4D97-AF65-F5344CB8AC3E}">
+        <p14:creationId xmlns:p14="http://schemas.microsoft.com/office/powerpoint/2010/main" val="402877293"/>
+      </p:ext>
+    </p:extLst>
+  </p:cSld>
+  <p:clrMapOvr>
+    <a:masterClrMapping/>
+  </p:clrMapOvr>
+  <p:timing>
+    <p:tnLst>
+      <p:par>
+        <p:cTn id="1" dur="indefinite" restart="never" nodeType="tmRoot"/>
+      </p:par>
+    </p:tnLst>
+  </p:timing>
+</p:sld>
+</file>
+
+<file path=ppt/slides/slide3.xml><?xml version="1.0" encoding="utf-8"?>
+<p:sld xmlns:a="http://schemas.openxmlformats.org/drawingml/2006/main" xmlns:r="http://schemas.openxmlformats.org/officeDocument/2006/relationships" xmlns:p="http://schemas.openxmlformats.org/presentationml/2006/main">
+  <p:cSld>
+    <p:spTree>
+      <p:nvGrpSpPr>
+        <p:cNvPr id="1" name=""/>
+        <p:cNvGrpSpPr/>
+        <p:nvPr/>
+      </p:nvGrpSpPr>
+      <p:grpSpPr>
+        <a:xfrm>
+          <a:off x="0" y="0"/>
+          <a:ext cx="0" cy="0"/>
+          <a:chOff x="0" y="0"/>
+          <a:chExt cx="0" cy="0"/>
+        </a:xfrm>
+      </p:grpSpPr>
+      <p:pic>
+        <p:nvPicPr>
+          <p:cNvPr id="4" name="Content Placeholder 3"/>
+          <p:cNvPicPr>
+            <a:picLocks noGrp="1" noChangeAspect="1"/>
+          </p:cNvPicPr>
+          <p:nvPr>
+            <p:ph idx="1"/>
+          </p:nvPr>
+        </p:nvPicPr>
+        <p:blipFill>
+          <a:blip r:embed="rId3" cstate="print">
+            <a:extLst>
+              <a:ext uri="{28A0092B-C50C-407E-A947-70E740481C1C}">
+                <a14:useLocalDpi xmlns:a14="http://schemas.microsoft.com/office/drawing/2010/main" val="0"/>
+              </a:ext>
+            </a:extLst>
+          </a:blip>
+          <a:stretch>
+            <a:fillRect/>
+          </a:stretch>
+        </p:blipFill>
+        <p:spPr>
+          <a:xfrm>
+            <a:off x="3108022" y="980894"/>
+            <a:ext cx="5801784" cy="4351338"/>
+          </a:xfrm>
+        </p:spPr>
+      </p:pic>
+    </p:spTree>
+    <p:extLst>
+      <p:ext uri="{BB962C8B-B14F-4D97-AF65-F5344CB8AC3E}">
+        <p14:creationId xmlns:p14="http://schemas.microsoft.com/office/powerpoint/2010/main" val="3135783003"/>
+      </p:ext>
+    </p:extLst>
+  </p:cSld>
+  <p:clrMapOvr>
+    <a:masterClrMapping/>
+  </p:clrMapOvr>
+  <p:timing>
+    <p:tnLst>
+      <p:par>
+        <p:cTn id="1" dur="indefinite" restart="never" nodeType="tmRoot"/>
+      </p:par>
+    </p:tnLst>
+  </p:timing>
+</p:sld>
+</file>
+
+<file path=ppt/slides/slide4.xml><?xml version="1.0" encoding="utf-8"?>
+<p:sld xmlns:a="http://schemas.openxmlformats.org/drawingml/2006/main" xmlns:r="http://schemas.openxmlformats.org/officeDocument/2006/relationships" xmlns:p="http://schemas.openxmlformats.org/presentationml/2006/main">
+  <p:cSld>
+    <p:spTree>
+      <p:nvGrpSpPr>
+        <p:cNvPr id="1" name=""/>
+        <p:cNvGrpSpPr/>
+        <p:nvPr/>
+      </p:nvGrpSpPr>
+      <p:grpSpPr>
+        <a:xfrm>
+          <a:off x="0" y="0"/>
+          <a:ext cx="0" cy="0"/>
+          <a:chOff x="0" y="0"/>
+          <a:chExt cx="0" cy="0"/>
+        </a:xfrm>
+      </p:grpSpPr>
+      <p:sp>
+        <p:nvSpPr>
+          <p:cNvPr id="2" name="Title 1"/>
+          <p:cNvSpPr>
+            <a:spLocks noGrp="1"/>
+          </p:cNvSpPr>
+          <p:nvPr>
+            <p:ph type="title"/>
+          </p:nvPr>
+        </p:nvSpPr>
+        <p:spPr/>
+        <p:txBody>
+          <a:bodyPr/>
+          <a:lstStyle/>
+          <a:p>
+            <a:r>
+              <a:rPr lang="en-US" dirty="0" smtClean="0"/>
+              <a:t>Weak Things</a:t>
+            </a:r>
+            <a:endParaRPr lang="en-US" dirty="0"/>
+          </a:p>
+        </p:txBody>
+      </p:sp>
+      <p:sp>
+        <p:nvSpPr>
+          <p:cNvPr id="3" name="Content Placeholder 2"/>
+          <p:cNvSpPr>
+            <a:spLocks noGrp="1"/>
+          </p:cNvSpPr>
+          <p:nvPr>
+            <p:ph idx="1"/>
+          </p:nvPr>
+        </p:nvSpPr>
+        <p:spPr/>
+        <p:txBody>
+          <a:bodyPr/>
+          <a:lstStyle/>
+          <a:p>
+            <a:r>
+              <a:rPr lang="en-US" dirty="0" smtClean="0"/>
+              <a:t>How to Improve?</a:t>
+            </a:r>
+          </a:p>
+          <a:p>
+            <a:r>
+              <a:rPr lang="en-US" dirty="0" smtClean="0"/>
+              <a:t>What and Who are making ImageTrend Weak?</a:t>
+            </a:r>
+          </a:p>
+        </p:txBody>
+      </p:sp>
+    </p:spTree>
+    <p:extLst>
+      <p:ext uri="{BB962C8B-B14F-4D97-AF65-F5344CB8AC3E}">
+        <p14:creationId xmlns:p14="http://schemas.microsoft.com/office/powerpoint/2010/main" val="1981567361"/>
+      </p:ext>
+    </p:extLst>
+  </p:cSld>
+  <p:clrMapOvr>
+    <a:masterClrMapping/>
+  </p:clrMapOvr>
+  <p:timing>
+    <p:tnLst>
+      <p:par>
+        <p:cTn id="1" dur="indefinite" restart="never" nodeType="tmRoot"/>
+      </p:par>
+    </p:tnLst>
+  </p:timing>
+</p:sld>
+</file>
+
+<file path=ppt/slides/slide5.xml><?xml version="1.0" encoding="utf-8"?>
+<p:sld xmlns:a="http://schemas.openxmlformats.org/drawingml/2006/main" xmlns:r="http://schemas.openxmlformats.org/officeDocument/2006/relationships" xmlns:p="http://schemas.openxmlformats.org/presentationml/2006/main">
+  <p:cSld>
+    <p:spTree>
+      <p:nvGrpSpPr>
+        <p:cNvPr id="1" name=""/>
+        <p:cNvGrpSpPr/>
+        <p:nvPr/>
+      </p:nvGrpSpPr>
+      <p:grpSpPr>
+        <a:xfrm>
+          <a:off x="0" y="0"/>
+          <a:ext cx="0" cy="0"/>
+          <a:chOff x="0" y="0"/>
+          <a:chExt cx="0" cy="0"/>
+        </a:xfrm>
+      </p:grpSpPr>
+      <p:sp>
+        <p:nvSpPr>
+          <p:cNvPr id="2" name="Title 1"/>
+          <p:cNvSpPr>
+            <a:spLocks noGrp="1"/>
+          </p:cNvSpPr>
+          <p:nvPr>
+            <p:ph type="title"/>
+          </p:nvPr>
+        </p:nvSpPr>
+        <p:spPr/>
+        <p:txBody>
+          <a:bodyPr/>
+          <a:lstStyle/>
+          <a:p>
+            <a:r>
+              <a:rPr lang="en-US" dirty="0" smtClean="0"/>
+              <a:t>Weak Things - You</a:t>
+            </a:r>
+            <a:endParaRPr lang="en-US" dirty="0"/>
+          </a:p>
+        </p:txBody>
+      </p:sp>
+      <p:sp>
+        <p:nvSpPr>
+          <p:cNvPr id="3" name="Content Placeholder 2"/>
+          <p:cNvSpPr>
+            <a:spLocks noGrp="1"/>
+          </p:cNvSpPr>
+          <p:nvPr>
+            <p:ph idx="1"/>
+          </p:nvPr>
+        </p:nvSpPr>
+        <p:spPr/>
+        <p:txBody>
+          <a:bodyPr/>
+          <a:lstStyle/>
+          <a:p>
+            <a:endParaRPr lang="en-US" dirty="0"/>
+          </a:p>
+        </p:txBody>
+      </p:sp>
+    </p:spTree>
+    <p:extLst>
+      <p:ext uri="{BB962C8B-B14F-4D97-AF65-F5344CB8AC3E}">
+        <p14:creationId xmlns:p14="http://schemas.microsoft.com/office/powerpoint/2010/main" val="2765701526"/>
+      </p:ext>
+    </p:extLst>
+  </p:cSld>
+  <p:clrMapOvr>
+    <a:masterClrMapping/>
+  </p:clrMapOvr>
+  <p:timing>
+    <p:tnLst>
+      <p:par>
+        <p:cTn id="1" dur="indefinite" restart="never" nodeType="tmRoot"/>
+      </p:par>
+    </p:tnLst>
+  </p:timing>
+</p:sld>
+</file>
+
+<file path=ppt/slides/slide6.xml><?xml version="1.0" encoding="utf-8"?>
+<p:sld xmlns:a="http://schemas.openxmlformats.org/drawingml/2006/main" xmlns:r="http://schemas.openxmlformats.org/officeDocument/2006/relationships" xmlns:p="http://schemas.openxmlformats.org/presentationml/2006/main">
+  <p:cSld>
+    <p:spTree>
+      <p:nvGrpSpPr>
+        <p:cNvPr id="1" name=""/>
+        <p:cNvGrpSpPr/>
+        <p:nvPr/>
+      </p:nvGrpSpPr>
+      <p:grpSpPr>
+        <a:xfrm>
+          <a:off x="0" y="0"/>
+          <a:ext cx="0" cy="0"/>
+          <a:chOff x="0" y="0"/>
+          <a:chExt cx="0" cy="0"/>
+        </a:xfrm>
+      </p:grpSpPr>
+      <p:sp>
+        <p:nvSpPr>
+          <p:cNvPr id="2" name="Title 1"/>
+          <p:cNvSpPr>
+            <a:spLocks noGrp="1"/>
+          </p:cNvSpPr>
+          <p:nvPr>
+            <p:ph type="title"/>
+          </p:nvPr>
+        </p:nvSpPr>
+        <p:spPr/>
+        <p:txBody>
+          <a:bodyPr/>
+          <a:lstStyle/>
+          <a:p>
+            <a:r>
+              <a:rPr lang="en-US" dirty="0" smtClean="0"/>
+              <a:t>Weak Things – Code</a:t>
+            </a:r>
+            <a:endParaRPr lang="en-US" dirty="0"/>
+          </a:p>
+        </p:txBody>
+      </p:sp>
+      <p:sp>
+        <p:nvSpPr>
+          <p:cNvPr id="3" name="Content Placeholder 2"/>
+          <p:cNvSpPr>
+            <a:spLocks noGrp="1"/>
+          </p:cNvSpPr>
+          <p:nvPr>
+            <p:ph idx="1"/>
+          </p:nvPr>
+        </p:nvSpPr>
+        <p:spPr/>
+        <p:txBody>
+          <a:bodyPr/>
+          <a:lstStyle/>
+          <a:p>
+            <a:r>
+              <a:rPr lang="en-US" b="1" dirty="0" smtClean="0"/>
+              <a:t>Clarification: </a:t>
+            </a:r>
+            <a:r>
+              <a:rPr lang="en-US" dirty="0" smtClean="0"/>
+              <a:t>Code that </a:t>
+            </a:r>
+            <a:r>
+              <a:rPr lang="en-US" u="sng" dirty="0" smtClean="0"/>
+              <a:t>Developers</a:t>
+            </a:r>
+            <a:r>
+              <a:rPr lang="en-US" dirty="0" smtClean="0"/>
+              <a:t> Make</a:t>
+            </a:r>
+            <a:r>
+              <a:rPr lang="en-US" sz="1000" dirty="0" smtClean="0"/>
+              <a:t> </a:t>
+            </a:r>
+            <a:r>
+              <a:rPr lang="en-US" sz="600" dirty="0" smtClean="0"/>
+              <a:t>who is not named Anthony</a:t>
+            </a:r>
+          </a:p>
+          <a:p>
+            <a:r>
+              <a:rPr lang="en-US" dirty="0" smtClean="0"/>
+              <a:t>Developers are not good communicators</a:t>
+            </a:r>
+          </a:p>
+          <a:p>
+            <a:pPr marL="0" indent="0">
+              <a:buNone/>
+            </a:pPr>
+            <a:endParaRPr lang="en-US" dirty="0" smtClean="0"/>
+          </a:p>
+          <a:p>
+            <a:pPr marL="0" indent="0">
+              <a:buNone/>
+            </a:pPr>
+            <a:r>
+              <a:rPr lang="en-US" dirty="0" smtClean="0"/>
+              <a:t>How to Improve?</a:t>
+            </a:r>
+            <a:endParaRPr lang="en-US" dirty="0"/>
+          </a:p>
+          <a:p>
+            <a:r>
+              <a:rPr lang="en-US" dirty="0" smtClean="0"/>
+              <a:t>Treat ever line of code like a Rep - short </a:t>
+            </a:r>
+            <a:r>
+              <a:rPr lang="en-US" dirty="0"/>
+              <a:t>for “repetitions</a:t>
+            </a:r>
+            <a:r>
+              <a:rPr lang="en-US" dirty="0" smtClean="0"/>
+              <a:t>.”</a:t>
+            </a:r>
+          </a:p>
+          <a:p>
+            <a:pPr marL="0" indent="0">
+              <a:buNone/>
+            </a:pPr>
+            <a:endParaRPr lang="en-US" dirty="0" smtClean="0"/>
+          </a:p>
+          <a:p>
+            <a:endParaRPr lang="en-US" dirty="0"/>
+          </a:p>
+          <a:p>
+            <a:pPr marL="0" indent="0">
+              <a:buNone/>
+            </a:pPr>
+            <a:endParaRPr lang="en-US" dirty="0"/>
+          </a:p>
+        </p:txBody>
+      </p:sp>
+    </p:spTree>
+    <p:extLst>
+      <p:ext uri="{BB962C8B-B14F-4D97-AF65-F5344CB8AC3E}">
+        <p14:creationId xmlns:p14="http://schemas.microsoft.com/office/powerpoint/2010/main" val="2623063122"/>
+      </p:ext>
+    </p:extLst>
+  </p:cSld>
+  <p:clrMapOvr>
+    <a:masterClrMapping/>
+  </p:clrMapOvr>
+  <p:timing>
+    <p:tnLst>
+      <p:par>
+        <p:cTn id="1" dur="indefinite" restart="never" nodeType="tmRoot"/>
+      </p:par>
+    </p:tnLst>
+  </p:timing>
+</p:sld>
+</file>
+
+<file path=ppt/slides/slide7.xml><?xml version="1.0" encoding="utf-8"?>
+<p:sld xmlns:a="http://schemas.openxmlformats.org/drawingml/2006/main" xmlns:r="http://schemas.openxmlformats.org/officeDocument/2006/relationships" xmlns:p="http://schemas.openxmlformats.org/presentationml/2006/main">
+  <p:cSld>
+    <p:spTree>
+      <p:nvGrpSpPr>
+        <p:cNvPr id="1" name=""/>
+        <p:cNvGrpSpPr/>
+        <p:nvPr/>
+      </p:nvGrpSpPr>
+      <p:grpSpPr>
+        <a:xfrm>
+          <a:off x="0" y="0"/>
+          <a:ext cx="0" cy="0"/>
+          <a:chOff x="0" y="0"/>
+          <a:chExt cx="0" cy="0"/>
+        </a:xfrm>
+      </p:grpSpPr>
+      <p:sp>
+        <p:nvSpPr>
+          <p:cNvPr id="2" name="Title 1"/>
+          <p:cNvSpPr>
+            <a:spLocks noGrp="1"/>
+          </p:cNvSpPr>
+          <p:nvPr>
+            <p:ph type="title"/>
+          </p:nvPr>
+        </p:nvSpPr>
+        <p:spPr/>
+        <p:txBody>
+          <a:bodyPr/>
+          <a:lstStyle/>
+          <a:p>
+            <a:r>
+              <a:rPr lang="en-US" dirty="0" smtClean="0"/>
+              <a:t>Weak Things – Sales</a:t>
+            </a:r>
+            <a:endParaRPr lang="en-US" dirty="0"/>
+          </a:p>
+        </p:txBody>
+      </p:sp>
+      <p:sp>
+        <p:nvSpPr>
+          <p:cNvPr id="3" name="Content Placeholder 2"/>
+          <p:cNvSpPr>
+            <a:spLocks noGrp="1"/>
+          </p:cNvSpPr>
+          <p:nvPr>
+            <p:ph idx="1"/>
+          </p:nvPr>
+        </p:nvSpPr>
+        <p:spPr/>
+        <p:txBody>
+          <a:bodyPr/>
+          <a:lstStyle/>
+          <a:p>
+            <a:r>
+              <a:rPr lang="en-US" dirty="0" smtClean="0"/>
+              <a:t>No advanced </a:t>
+            </a:r>
+            <a:r>
+              <a:rPr lang="en-US" smtClean="0"/>
+              <a:t>sales tactics</a:t>
+            </a:r>
+            <a:endParaRPr lang="en-US" dirty="0" smtClean="0"/>
+          </a:p>
+          <a:p>
+            <a:r>
+              <a:rPr lang="en-US" dirty="0" smtClean="0"/>
+              <a:t>Need to borrow concepts from enhanced interrogation</a:t>
+            </a:r>
+          </a:p>
+          <a:p>
+            <a:r>
+              <a:rPr lang="en-US" dirty="0" smtClean="0"/>
+              <a:t>Bigger Guys </a:t>
+            </a:r>
+            <a:r>
+              <a:rPr lang="en-US" b="1" dirty="0" smtClean="0"/>
+              <a:t>=</a:t>
+            </a:r>
+            <a:r>
+              <a:rPr lang="en-US" dirty="0" smtClean="0"/>
+              <a:t> Bigger Sales</a:t>
+            </a:r>
+          </a:p>
+          <a:p>
+            <a:r>
+              <a:rPr lang="en-US" dirty="0" smtClean="0"/>
+              <a:t>Just makes sense</a:t>
+            </a:r>
+          </a:p>
+          <a:p>
+            <a:endParaRPr lang="en-US" dirty="0" smtClean="0"/>
+          </a:p>
+        </p:txBody>
+      </p:sp>
+    </p:spTree>
+    <p:extLst>
+      <p:ext uri="{BB962C8B-B14F-4D97-AF65-F5344CB8AC3E}">
+        <p14:creationId xmlns:p14="http://schemas.microsoft.com/office/powerpoint/2010/main" val="617133284"/>
+      </p:ext>
+    </p:extLst>
+  </p:cSld>
+  <p:clrMapOvr>
+    <a:masterClrMapping/>
+  </p:clrMapOvr>
+  <p:timing>
+    <p:tnLst>
+      <p:par>
+        <p:cTn id="1" dur="indefinite" restart="never" nodeType="tmRoot"/>
+      </p:par>
+    </p:tnLst>
+  </p:timing>
+</p:sld>
+</file>
+
+<file path=ppt/slides/slide8.xml><?xml version="1.0" encoding="utf-8"?>
+<p:sld xmlns:a="http://schemas.openxmlformats.org/drawingml/2006/main" xmlns:r="http://schemas.openxmlformats.org/officeDocument/2006/relationships" xmlns:p="http://schemas.openxmlformats.org/presentationml/2006/main">
+  <p:cSld>
+    <p:spTree>
+      <p:nvGrpSpPr>
+        <p:cNvPr id="1" name=""/>
+        <p:cNvGrpSpPr/>
+        <p:nvPr/>
+      </p:nvGrpSpPr>
+      <p:grpSpPr>
+        <a:xfrm>
+          <a:off x="0" y="0"/>
+          <a:ext cx="0" cy="0"/>
+          <a:chOff x="0" y="0"/>
+          <a:chExt cx="0" cy="0"/>
+        </a:xfrm>
+      </p:grpSpPr>
+      <p:sp>
+        <p:nvSpPr>
+          <p:cNvPr id="2" name="Title 1"/>
+          <p:cNvSpPr>
+            <a:spLocks noGrp="1"/>
+          </p:cNvSpPr>
+          <p:nvPr>
+            <p:ph type="title"/>
+          </p:nvPr>
+        </p:nvSpPr>
+        <p:spPr/>
+        <p:txBody>
+          <a:bodyPr/>
+          <a:lstStyle/>
+          <a:p>
+            <a:r>
+              <a:rPr lang="en-US" dirty="0" smtClean="0"/>
+              <a:t>Weak Things – Executive Board</a:t>
+            </a:r>
+            <a:endParaRPr lang="en-US" dirty="0"/>
+          </a:p>
+        </p:txBody>
+      </p:sp>
+      <p:sp>
+        <p:nvSpPr>
+          <p:cNvPr id="3" name="Content Placeholder 2"/>
+          <p:cNvSpPr>
+            <a:spLocks noGrp="1"/>
+          </p:cNvSpPr>
+          <p:nvPr>
+            <p:ph idx="1"/>
+          </p:nvPr>
+        </p:nvSpPr>
+        <p:spPr>
+          <a:xfrm>
+            <a:off x="838200" y="1825625"/>
+            <a:ext cx="10953206" cy="4351338"/>
+          </a:xfrm>
+        </p:spPr>
+        <p:txBody>
+          <a:bodyPr/>
+          <a:lstStyle/>
+          <a:p>
+            <a:r>
+              <a:rPr lang="en-US" dirty="0" smtClean="0"/>
+              <a:t>Drive generic, non fancy, non sports cars</a:t>
+            </a:r>
+          </a:p>
+          <a:p>
+            <a:r>
+              <a:rPr lang="en-US" dirty="0" smtClean="0"/>
+              <a:t>Not saying cool things like “You’re Fired”</a:t>
+            </a:r>
+          </a:p>
+          <a:p>
+            <a:pPr marL="0" indent="0">
+              <a:buNone/>
+            </a:pPr>
+            <a:endParaRPr lang="en-US" dirty="0" smtClean="0"/>
+          </a:p>
+          <a:p>
+            <a:pPr marL="0" indent="0">
+              <a:buNone/>
+            </a:pPr>
+            <a:r>
+              <a:rPr lang="en-US" dirty="0" smtClean="0"/>
+              <a:t>How to Improve?</a:t>
+            </a:r>
+          </a:p>
+          <a:p>
+            <a:r>
+              <a:rPr lang="en-US" dirty="0" smtClean="0"/>
+              <a:t>Need to workout and get stacked like how they stack their technologies</a:t>
+            </a:r>
+          </a:p>
+          <a:p>
+            <a:r>
+              <a:rPr lang="en-US" dirty="0" smtClean="0"/>
+              <a:t>Should superset their </a:t>
+            </a:r>
+            <a:r>
+              <a:rPr lang="en-US" b="1" dirty="0" smtClean="0"/>
+              <a:t>ideas</a:t>
+            </a:r>
+            <a:r>
+              <a:rPr lang="en-US" dirty="0" smtClean="0"/>
+              <a:t> how they superset their workouts</a:t>
+            </a:r>
+            <a:endParaRPr lang="en-US" dirty="0"/>
+          </a:p>
+          <a:p>
+            <a:endParaRPr lang="en-US" dirty="0" smtClean="0"/>
+          </a:p>
+          <a:p>
+            <a:endParaRPr lang="en-US" dirty="0"/>
+          </a:p>
+        </p:txBody>
+      </p:sp>
+    </p:spTree>
+    <p:extLst>
+      <p:ext uri="{BB962C8B-B14F-4D97-AF65-F5344CB8AC3E}">
+        <p14:creationId xmlns:p14="http://schemas.microsoft.com/office/powerpoint/2010/main" val="156146759"/>
+      </p:ext>
+    </p:extLst>
+  </p:cSld>
+  <p:clrMapOvr>
+    <a:masterClrMapping/>
+  </p:clrMapOvr>
+  <p:timing>
+    <p:tnLst>
+      <p:par>
+        <p:cTn id="1" dur="indefinite" restart="never" nodeType="tmRoot"/>
+      </p:par>
+    </p:tnLst>
+  </p:timing>
+</p:sld>
+</file>
+
+<file path=ppt/slides/slide9.xml><?xml version="1.0" encoding="utf-8"?>
+<p:sld xmlns:a="http://schemas.openxmlformats.org/drawingml/2006/main" xmlns:r="http://schemas.openxmlformats.org/officeDocument/2006/relationships" xmlns:p="http://schemas.openxmlformats.org/presentationml/2006/main">
+  <p:cSld>
+    <p:spTree>
+      <p:nvGrpSpPr>
+        <p:cNvPr id="1" name=""/>
+        <p:cNvGrpSpPr/>
+        <p:nvPr/>
+      </p:nvGrpSpPr>
+      <p:grpSpPr>
+        <a:xfrm>
+          <a:off x="0" y="0"/>
+          <a:ext cx="0" cy="0"/>
+          <a:chOff x="0" y="0"/>
+          <a:chExt cx="0" cy="0"/>
+        </a:xfrm>
+      </p:grpSpPr>
+      <p:sp>
+        <p:nvSpPr>
+          <p:cNvPr id="2" name="Title 1"/>
+          <p:cNvSpPr>
+            <a:spLocks noGrp="1"/>
+          </p:cNvSpPr>
+          <p:nvPr>
+            <p:ph type="title"/>
+          </p:nvPr>
+        </p:nvSpPr>
+        <p:spPr/>
+        <p:txBody>
+          <a:bodyPr/>
+          <a:lstStyle/>
+          <a:p>
+            <a:r>
+              <a:rPr lang="en-US" dirty="0" smtClean="0"/>
+              <a:t>Click to add title</a:t>
+            </a:r>
+            <a:endParaRPr lang="en-US" dirty="0"/>
+          </a:p>
+        </p:txBody>
+      </p:sp>
+      <p:pic>
+        <p:nvPicPr>
+          <p:cNvPr id="4" name="Content Placeholder 3"/>
+          <p:cNvPicPr>
+            <a:picLocks noGrp="1" noChangeAspect="1"/>
+          </p:cNvPicPr>
+          <p:nvPr>
+            <p:ph idx="1"/>
+          </p:nvPr>
+        </p:nvPicPr>
+        <p:blipFill>
+          <a:blip r:embed="rId2"/>
+          <a:stretch>
+            <a:fillRect/>
+          </a:stretch>
+        </p:blipFill>
+        <p:spPr>
+          <a:xfrm>
+            <a:off x="2228850" y="1929606"/>
+            <a:ext cx="7734300" cy="4143375"/>
+          </a:xfrm>
+          <a:prstGeom prst="rect">
+            <a:avLst/>
+          </a:prstGeom>
+        </p:spPr>
+      </p:pic>
+    </p:spTree>
+    <p:extLst>
+      <p:ext uri="{BB962C8B-B14F-4D97-AF65-F5344CB8AC3E}">
+        <p14:creationId xmlns:p14="http://schemas.microsoft.com/office/powerpoint/2010/main" val="3327631350"/>
+      </p:ext>
+    </p:extLst>
+  </p:cSld>
+  <p:clrMapOvr>
+    <a:masterClrMapping/>
+  </p:clrMapOvr>
+  <p:timing>
+    <p:tnLst>
+      <p:par>
+        <p:cTn id="1" dur="indefinite" restart="never" nodeType="tmRoot"/>
+      </p:par>
+    </p:tnLst>
+  </p:timing>
 </p:sld>
 </file>
 
@@ -3321,4 +5964,265 @@
     </a:ext>
   </a:extLst>
 </a:theme>
+</file>
+
+<file path=ppt/theme/theme2.xml><?xml version="1.0" encoding="utf-8"?>
+<a:theme xmlns:a="http://schemas.openxmlformats.org/drawingml/2006/main" name="Office Theme">
+  <a:themeElements>
+    <a:clrScheme name="Office">
+      <a:dk1>
+        <a:sysClr val="windowText" lastClr="000000"/>
+      </a:dk1>
+      <a:lt1>
+        <a:sysClr val="window" lastClr="FFFFFF"/>
+      </a:lt1>
+      <a:dk2>
+        <a:srgbClr val="44546A"/>
+      </a:dk2>
+      <a:lt2>
+        <a:srgbClr val="E7E6E6"/>
+      </a:lt2>
+      <a:accent1>
+        <a:srgbClr val="5B9BD5"/>
+      </a:accent1>
+      <a:accent2>
+        <a:srgbClr val="ED7D31"/>
+      </a:accent2>
+      <a:accent3>
+        <a:srgbClr val="A5A5A5"/>
+      </a:accent3>
+      <a:accent4>
+        <a:srgbClr val="FFC000"/>
+      </a:accent4>
+      <a:accent5>
+        <a:srgbClr val="4472C4"/>
+      </a:accent5>
+      <a:accent6>
+        <a:srgbClr val="70AD47"/>
+      </a:accent6>
+      <a:hlink>
+        <a:srgbClr val="0563C1"/>
+      </a:hlink>
+      <a:folHlink>
+        <a:srgbClr val="954F72"/>
+      </a:folHlink>
+    </a:clrScheme>
+    <a:fontScheme name="Office">
+      <a:majorFont>
+        <a:latin typeface="Calibri Light" panose="020F0302020204030204"/>
+        <a:ea typeface=""/>
+        <a:cs typeface=""/>
+        <a:font script="Jpan" typeface="游ゴシック Light"/>
+        <a:font script="Hang" typeface="맑은 고딕"/>
+        <a:font script="Hans" typeface="等线 Light"/>
+        <a:font script="Hant" typeface="新細明體"/>
+        <a:font script="Arab" typeface="Times New Roman"/>
+        <a:font script="Hebr" typeface="Times New Roman"/>
+        <a:font script="Thai" typeface="Angsana New"/>
+        <a:font script="Ethi" typeface="Nyala"/>
+        <a:font script="Beng" typeface="Vrinda"/>
+        <a:font script="Gujr" typeface="Shruti"/>
+        <a:font script="Khmr" typeface="MoolBoran"/>
+        <a:font script="Knda" typeface="Tunga"/>
+        <a:font script="Guru" typeface="Raavi"/>
+        <a:font script="Cans" typeface="Euphemia"/>
+        <a:font script="Cher" typeface="Plantagenet Cherokee"/>
+        <a:font script="Yiii" typeface="Microsoft Yi Baiti"/>
+        <a:font script="Tibt" typeface="Microsoft Himalaya"/>
+        <a:font script="Thaa" typeface="MV Boli"/>
+        <a:font script="Deva" typeface="Mangal"/>
+        <a:font script="Telu" typeface="Gautami"/>
+        <a:font script="Taml" typeface="Latha"/>
+        <a:font script="Syrc" typeface="Estrangelo Edessa"/>
+        <a:font script="Orya" typeface="Kalinga"/>
+        <a:font script="Mlym" typeface="Kartika"/>
+        <a:font script="Laoo" typeface="DokChampa"/>
+        <a:font script="Sinh" typeface="Iskoola Pota"/>
+        <a:font script="Mong" typeface="Mongolian Baiti"/>
+        <a:font script="Viet" typeface="Times New Roman"/>
+        <a:font script="Uigh" typeface="Microsoft Uighur"/>
+        <a:font script="Geor" typeface="Sylfaen"/>
+      </a:majorFont>
+      <a:minorFont>
+        <a:latin typeface="Calibri" panose="020F0502020204030204"/>
+        <a:ea typeface=""/>
+        <a:cs typeface=""/>
+        <a:font script="Jpan" typeface="游ゴシック"/>
+        <a:font script="Hang" typeface="맑은 고딕"/>
+        <a:font script="Hans" typeface="等线"/>
+        <a:font script="Hant" typeface="新細明體"/>
+        <a:font script="Arab" typeface="Arial"/>
+        <a:font script="Hebr" typeface="Arial"/>
+        <a:font script="Thai" typeface="Cordia New"/>
+        <a:font script="Ethi" typeface="Nyala"/>
+        <a:font script="Beng" typeface="Vrinda"/>
+        <a:font script="Gujr" typeface="Shruti"/>
+        <a:font script="Khmr" typeface="DaunPenh"/>
+        <a:font script="Knda" typeface="Tunga"/>
+        <a:font script="Guru" typeface="Raavi"/>
+        <a:font script="Cans" typeface="Euphemia"/>
+        <a:font script="Cher" typeface="Plantagenet Cherokee"/>
+        <a:font script="Yiii" typeface="Microsoft Yi Baiti"/>
+        <a:font script="Tibt" typeface="Microsoft Himalaya"/>
+        <a:font script="Thaa" typeface="MV Boli"/>
+        <a:font script="Deva" typeface="Mangal"/>
+        <a:font script="Telu" typeface="Gautami"/>
+        <a:font script="Taml" typeface="Latha"/>
+        <a:font script="Syrc" typeface="Estrangelo Edessa"/>
+        <a:font script="Orya" typeface="Kalinga"/>
+        <a:font script="Mlym" typeface="Kartika"/>
+        <a:font script="Laoo" typeface="DokChampa"/>
+        <a:font script="Sinh" typeface="Iskoola Pota"/>
+        <a:font script="Mong" typeface="Mongolian Baiti"/>
+        <a:font script="Viet" typeface="Arial"/>
+        <a:font script="Uigh" typeface="Microsoft Uighur"/>
+        <a:font script="Geor" typeface="Sylfaen"/>
+      </a:minorFont>
+    </a:fontScheme>
+    <a:fmtScheme name="Office">
+      <a:fillStyleLst>
+        <a:solidFill>
+          <a:schemeClr val="phClr"/>
+        </a:solidFill>
+        <a:gradFill rotWithShape="1">
+          <a:gsLst>
+            <a:gs pos="0">
+              <a:schemeClr val="phClr">
+                <a:lumMod val="110000"/>
+                <a:satMod val="105000"/>
+                <a:tint val="67000"/>
+              </a:schemeClr>
+            </a:gs>
+            <a:gs pos="50000">
+              <a:schemeClr val="phClr">
+                <a:lumMod val="105000"/>
+                <a:satMod val="103000"/>
+                <a:tint val="73000"/>
+              </a:schemeClr>
+            </a:gs>
+            <a:gs pos="100000">
+              <a:schemeClr val="phClr">
+                <a:lumMod val="105000"/>
+                <a:satMod val="109000"/>
+                <a:tint val="81000"/>
+              </a:schemeClr>
+            </a:gs>
+          </a:gsLst>
+          <a:lin ang="5400000" scaled="0"/>
+        </a:gradFill>
+        <a:gradFill rotWithShape="1">
+          <a:gsLst>
+            <a:gs pos="0">
+              <a:schemeClr val="phClr">
+                <a:satMod val="103000"/>
+                <a:lumMod val="102000"/>
+                <a:tint val="94000"/>
+              </a:schemeClr>
+            </a:gs>
+            <a:gs pos="50000">
+              <a:schemeClr val="phClr">
+                <a:satMod val="110000"/>
+                <a:lumMod val="100000"/>
+                <a:shade val="100000"/>
+              </a:schemeClr>
+            </a:gs>
+            <a:gs pos="100000">
+              <a:schemeClr val="phClr">
+                <a:lumMod val="99000"/>
+                <a:satMod val="120000"/>
+                <a:shade val="78000"/>
+              </a:schemeClr>
+            </a:gs>
+          </a:gsLst>
+          <a:lin ang="5400000" scaled="0"/>
+        </a:gradFill>
+      </a:fillStyleLst>
+      <a:lnStyleLst>
+        <a:ln w="6350" cap="flat" cmpd="sng" algn="ctr">
+          <a:solidFill>
+            <a:schemeClr val="phClr"/>
+          </a:solidFill>
+          <a:prstDash val="solid"/>
+          <a:miter lim="800000"/>
+        </a:ln>
+        <a:ln w="12700" cap="flat" cmpd="sng" algn="ctr">
+          <a:solidFill>
+            <a:schemeClr val="phClr"/>
+          </a:solidFill>
+          <a:prstDash val="solid"/>
+          <a:miter lim="800000"/>
+        </a:ln>
+        <a:ln w="19050" cap="flat" cmpd="sng" algn="ctr">
+          <a:solidFill>
+            <a:schemeClr val="phClr"/>
+          </a:solidFill>
+          <a:prstDash val="solid"/>
+          <a:miter lim="800000"/>
+        </a:ln>
+      </a:lnStyleLst>
+      <a:effectStyleLst>
+        <a:effectStyle>
+          <a:effectLst/>
+        </a:effectStyle>
+        <a:effectStyle>
+          <a:effectLst/>
+        </a:effectStyle>
+        <a:effectStyle>
+          <a:effectLst>
+            <a:outerShdw blurRad="57150" dist="19050" dir="5400000" algn="ctr" rotWithShape="0">
+              <a:srgbClr val="000000">
+                <a:alpha val="63000"/>
+              </a:srgbClr>
+            </a:outerShdw>
+          </a:effectLst>
+        </a:effectStyle>
+      </a:effectStyleLst>
+      <a:bgFillStyleLst>
+        <a:solidFill>
+          <a:schemeClr val="phClr"/>
+        </a:solidFill>
+        <a:solidFill>
+          <a:schemeClr val="phClr">
+            <a:tint val="95000"/>
+            <a:satMod val="170000"/>
+          </a:schemeClr>
+        </a:solidFill>
+        <a:gradFill rotWithShape="1">
+          <a:gsLst>
+            <a:gs pos="0">
+              <a:schemeClr val="phClr">
+                <a:tint val="93000"/>
+                <a:satMod val="150000"/>
+                <a:shade val="98000"/>
+                <a:lumMod val="102000"/>
+              </a:schemeClr>
+            </a:gs>
+            <a:gs pos="50000">
+              <a:schemeClr val="phClr">
+                <a:tint val="98000"/>
+                <a:satMod val="130000"/>
+                <a:shade val="90000"/>
+                <a:lumMod val="103000"/>
+              </a:schemeClr>
+            </a:gs>
+            <a:gs pos="100000">
+              <a:schemeClr val="phClr">
+                <a:shade val="63000"/>
+                <a:satMod val="120000"/>
+              </a:schemeClr>
+            </a:gs>
+          </a:gsLst>
+          <a:lin ang="5400000" scaled="0"/>
+        </a:gradFill>
+      </a:bgFillStyleLst>
+    </a:fmtScheme>
+  </a:themeElements>
+  <a:objectDefaults/>
+  <a:extraClrSchemeLst/>
+  <a:extLst>
+    <a:ext uri="{05A4C25C-085E-4340-85A3-A5531E510DB2}">
+      <thm15:themeFamily xmlns:thm15="http://schemas.microsoft.com/office/thememl/2012/main" name="Office Theme" id="{62F939B6-93AF-4DB8-9C6B-D6C7DFDC589F}" vid="{4A3C46E8-61CC-4603-A589-7422A47A8E4A}"/>
+    </a:ext>
+  </a:extLst>
+</a:theme>
 </file>